--- a/APRESENTAÇÃO SIMPLEX.pptx
+++ b/APRESENTAÇÃO SIMPLEX.pptx
@@ -5,7 +5,7 @@
     <p:sldMasterId id="2147483648" r:id="rId1"/>
   </p:sldMasterIdLst>
   <p:notesMasterIdLst>
-    <p:notesMasterId r:id="rId30"/>
+    <p:notesMasterId r:id="rId31"/>
   </p:notesMasterIdLst>
   <p:sldIdLst>
     <p:sldId id="257" r:id="rId2"/>
@@ -36,6 +36,7 @@
     <p:sldId id="289" r:id="rId27"/>
     <p:sldId id="290" r:id="rId28"/>
     <p:sldId id="291" r:id="rId29"/>
+    <p:sldId id="292" r:id="rId30"/>
   </p:sldIdLst>
   <p:sldSz cx="12187238" cy="6858000"/>
   <p:notesSz cx="6858000" cy="9144000"/>
@@ -2508,6 +2509,103 @@
                 <a:defRPr/>
               </a:pPr>
               <a:t>28</a:t>
+            </a:fld>
+            <a:endParaRPr lang="en-US" dirty="0"/>
+          </a:p>
+        </p:txBody>
+      </p:sp>
+    </p:spTree>
+    <p:extLst>
+      <p:ext uri="{BB962C8B-B14F-4D97-AF65-F5344CB8AC3E}">
+        <p14:creationId xmlns:p14="http://schemas.microsoft.com/office/powerpoint/2010/main" xmlns="" val="3837925681"/>
+      </p:ext>
+    </p:extLst>
+  </p:cSld>
+  <p:clrMapOvr>
+    <a:masterClrMapping/>
+  </p:clrMapOvr>
+</p:notes>
+</file>
+
+<file path=ppt/notesSlides/notesSlide29.xml><?xml version="1.0" encoding="utf-8"?>
+<p:notes xmlns:a="http://schemas.openxmlformats.org/drawingml/2006/main" xmlns:r="http://schemas.openxmlformats.org/officeDocument/2006/relationships" xmlns:p="http://schemas.openxmlformats.org/presentationml/2006/main">
+  <p:cSld>
+    <p:spTree>
+      <p:nvGrpSpPr>
+        <p:cNvPr id="1" name=""/>
+        <p:cNvGrpSpPr/>
+        <p:nvPr/>
+      </p:nvGrpSpPr>
+      <p:grpSpPr>
+        <a:xfrm>
+          <a:off x="0" y="0"/>
+          <a:ext cx="0" cy="0"/>
+          <a:chOff x="0" y="0"/>
+          <a:chExt cx="0" cy="0"/>
+        </a:xfrm>
+      </p:grpSpPr>
+      <p:sp>
+        <p:nvSpPr>
+          <p:cNvPr id="2" name="Slide Image Placeholder 1"/>
+          <p:cNvSpPr>
+            <a:spLocks noGrp="1" noRot="1" noChangeAspect="1"/>
+          </p:cNvSpPr>
+          <p:nvPr>
+            <p:ph type="sldImg"/>
+          </p:nvPr>
+        </p:nvSpPr>
+        <p:spPr>
+          <a:xfrm>
+            <a:off x="382588" y="687388"/>
+            <a:ext cx="6092825" cy="3429000"/>
+          </a:xfrm>
+        </p:spPr>
+      </p:sp>
+      <p:sp>
+        <p:nvSpPr>
+          <p:cNvPr id="3" name="Notes Placeholder 2"/>
+          <p:cNvSpPr>
+            <a:spLocks noGrp="1"/>
+          </p:cNvSpPr>
+          <p:nvPr>
+            <p:ph type="body" idx="1"/>
+          </p:nvPr>
+        </p:nvSpPr>
+        <p:spPr/>
+        <p:txBody>
+          <a:bodyPr>
+            <a:normAutofit/>
+          </a:bodyPr>
+          <a:lstStyle/>
+          <a:p>
+            <a:endParaRPr lang="en-US" sz="900" dirty="0"/>
+          </a:p>
+        </p:txBody>
+      </p:sp>
+      <p:sp>
+        <p:nvSpPr>
+          <p:cNvPr id="4" name="Slide Number Placeholder 3"/>
+          <p:cNvSpPr>
+            <a:spLocks noGrp="1"/>
+          </p:cNvSpPr>
+          <p:nvPr>
+            <p:ph type="sldNum" sz="quarter" idx="10"/>
+          </p:nvPr>
+        </p:nvSpPr>
+        <p:spPr/>
+        <p:txBody>
+          <a:bodyPr/>
+          <a:lstStyle/>
+          <a:p>
+            <a:pPr>
+              <a:defRPr/>
+            </a:pPr>
+            <a:fld id="{FA74AC16-EF28-4AD4-B9F4-4F68D8FBA3D9}" type="slidenum">
+              <a:rPr lang="en-US" smtClean="0"/>
+              <a:pPr>
+                <a:defRPr/>
+              </a:pPr>
+              <a:t>29</a:t>
             </a:fld>
             <a:endParaRPr lang="en-US" dirty="0"/>
           </a:p>
@@ -7004,7 +7102,25 @@
                 </a:solidFill>
                 <a:latin typeface="+mj-lt"/>
               </a:rPr>
-              <a:t>4) O ALGORÍTIMO SIMPLEX</a:t>
+              <a:t>4) O </a:t>
+            </a:r>
+            <a:r>
+              <a:rPr lang="pt-BR" sz="4000" spc="-100" dirty="0" smtClean="0">
+                <a:solidFill>
+                  <a:srgbClr val="082658"/>
+                </a:solidFill>
+                <a:latin typeface="+mj-lt"/>
+              </a:rPr>
+              <a:t>ALGORITMO </a:t>
+            </a:r>
+            <a:r>
+              <a:rPr lang="pt-BR" sz="4000" spc="-100" dirty="0" smtClean="0">
+                <a:solidFill>
+                  <a:srgbClr val="082658"/>
+                </a:solidFill>
+                <a:latin typeface="+mj-lt"/>
+              </a:rPr>
+              <a:t>SIMPLEX</a:t>
             </a:r>
             <a:endParaRPr lang="en-US" sz="4000" spc="-100" dirty="0">
               <a:solidFill>
@@ -7066,450 +7182,313 @@
           </a:bodyPr>
           <a:lstStyle/>
           <a:p>
+            <a:pPr>
+              <a:tabLst>
+                <a:tab pos="723900" algn="l"/>
+                <a:tab pos="1447800" algn="l"/>
+                <a:tab pos="2171700" algn="l"/>
+                <a:tab pos="2895600" algn="l"/>
+                <a:tab pos="3619500" algn="l"/>
+                <a:tab pos="4343400" algn="l"/>
+                <a:tab pos="5067300" algn="l"/>
+                <a:tab pos="5791200" algn="l"/>
+                <a:tab pos="6515100" algn="l"/>
+                <a:tab pos="7239000" algn="l"/>
+                <a:tab pos="7962900" algn="l"/>
+                <a:tab pos="8686800" algn="l"/>
+                <a:tab pos="9410700" algn="l"/>
+                <a:tab pos="10134600" algn="l"/>
+                <a:tab pos="10858500" algn="l"/>
+              </a:tabLst>
+            </a:pPr>
             <a:endParaRPr lang="pt-BR" sz="2800" dirty="0" smtClean="0">
-              <a:gradFill>
-                <a:gsLst>
-                  <a:gs pos="0">
-                    <a:schemeClr val="tx1">
-                      <a:lumMod val="75000"/>
-                      <a:lumOff val="25000"/>
-                    </a:schemeClr>
-                  </a:gs>
-                  <a:gs pos="80000">
-                    <a:schemeClr val="tx1">
-                      <a:lumMod val="65000"/>
-                      <a:lumOff val="35000"/>
-                    </a:schemeClr>
-                  </a:gs>
-                </a:gsLst>
-                <a:lin ang="16200000" scaled="0"/>
-              </a:gradFill>
-              <a:latin typeface="Segoe UI Light" pitchFamily="34" charset="0"/>
+              <a:solidFill>
+                <a:srgbClr val="000000"/>
+              </a:solidFill>
+              <a:latin typeface="Segoe UI Light" pitchFamily="32" charset="0"/>
             </a:endParaRPr>
           </a:p>
           <a:p>
+            <a:pPr>
+              <a:tabLst>
+                <a:tab pos="723900" algn="l"/>
+                <a:tab pos="1447800" algn="l"/>
+                <a:tab pos="2171700" algn="l"/>
+                <a:tab pos="2895600" algn="l"/>
+                <a:tab pos="3619500" algn="l"/>
+                <a:tab pos="4343400" algn="l"/>
+                <a:tab pos="5067300" algn="l"/>
+                <a:tab pos="5791200" algn="l"/>
+                <a:tab pos="6515100" algn="l"/>
+                <a:tab pos="7239000" algn="l"/>
+                <a:tab pos="7962900" algn="l"/>
+                <a:tab pos="8686800" algn="l"/>
+                <a:tab pos="9410700" algn="l"/>
+                <a:tab pos="10134600" algn="l"/>
+                <a:tab pos="10858500" algn="l"/>
+              </a:tabLst>
+            </a:pPr>
             <a:r>
               <a:rPr lang="pt-BR" sz="2800" dirty="0" smtClean="0">
-                <a:gradFill>
-                  <a:gsLst>
-                    <a:gs pos="0">
-                      <a:schemeClr val="tx1">
-                        <a:lumMod val="75000"/>
-                        <a:lumOff val="25000"/>
-                      </a:schemeClr>
-                    </a:gs>
-                    <a:gs pos="80000">
-                      <a:schemeClr val="tx1">
-                        <a:lumMod val="65000"/>
-                        <a:lumOff val="35000"/>
-                      </a:schemeClr>
-                    </a:gs>
-                  </a:gsLst>
-                  <a:lin ang="16200000" scaled="0"/>
-                </a:gradFill>
-                <a:latin typeface="Segoe UI Light" pitchFamily="34" charset="0"/>
+                <a:solidFill>
+                  <a:srgbClr val="000000"/>
+                </a:solidFill>
+                <a:latin typeface="Segoe UI Light" pitchFamily="32" charset="0"/>
               </a:rPr>
               <a:t>Algoritmo que considera o gráfico da </a:t>
             </a:r>
             <a:r>
               <a:rPr lang="pt-BR" sz="2800" b="1" dirty="0" smtClean="0">
                 <a:solidFill>
-                  <a:schemeClr val="accent1">
-                    <a:lumMod val="75000"/>
-                  </a:schemeClr>
+                  <a:srgbClr val="376092"/>
                 </a:solidFill>
-                <a:latin typeface="Segoe UI Light" pitchFamily="34" charset="0"/>
+                <a:latin typeface="Segoe UI Light" pitchFamily="32" charset="0"/>
               </a:rPr>
               <a:t>Região factível </a:t>
             </a:r>
             <a:r>
               <a:rPr lang="pt-BR" sz="2800" dirty="0" smtClean="0">
-                <a:gradFill>
-                  <a:gsLst>
-                    <a:gs pos="0">
-                      <a:schemeClr val="tx1">
-                        <a:lumMod val="75000"/>
-                        <a:lumOff val="25000"/>
-                      </a:schemeClr>
-                    </a:gs>
-                    <a:gs pos="80000">
-                      <a:schemeClr val="tx1">
-                        <a:lumMod val="65000"/>
-                        <a:lumOff val="35000"/>
-                      </a:schemeClr>
-                    </a:gs>
-                  </a:gsLst>
-                  <a:lin ang="16200000" scaled="0"/>
-                </a:gradFill>
-                <a:latin typeface="Segoe UI Light" pitchFamily="34" charset="0"/>
+                <a:solidFill>
+                  <a:srgbClr val="000000"/>
+                </a:solidFill>
+                <a:latin typeface="Segoe UI Light" pitchFamily="32" charset="0"/>
               </a:rPr>
               <a:t>como um </a:t>
             </a:r>
             <a:r>
               <a:rPr lang="pt-BR" sz="2800" b="1" dirty="0" smtClean="0">
                 <a:solidFill>
-                  <a:schemeClr val="accent1">
-                    <a:lumMod val="75000"/>
-                  </a:schemeClr>
+                  <a:srgbClr val="376092"/>
                 </a:solidFill>
-                <a:latin typeface="Segoe UI Light" pitchFamily="34" charset="0"/>
+                <a:latin typeface="Segoe UI Light" pitchFamily="32" charset="0"/>
               </a:rPr>
               <a:t>grafo. </a:t>
             </a:r>
             <a:r>
               <a:rPr lang="pt-BR" sz="2800" dirty="0" smtClean="0">
-                <a:gradFill>
-                  <a:gsLst>
-                    <a:gs pos="0">
-                      <a:schemeClr val="tx1">
-                        <a:lumMod val="75000"/>
-                        <a:lumOff val="25000"/>
-                      </a:schemeClr>
-                    </a:gs>
-                    <a:gs pos="80000">
-                      <a:schemeClr val="tx1">
-                        <a:lumMod val="65000"/>
-                        <a:lumOff val="35000"/>
-                      </a:schemeClr>
-                    </a:gs>
-                  </a:gsLst>
-                  <a:lin ang="16200000" scaled="0"/>
-                </a:gradFill>
-                <a:latin typeface="Segoe UI Light" pitchFamily="34" charset="0"/>
+                <a:solidFill>
+                  <a:srgbClr val="000000"/>
+                </a:solidFill>
+                <a:latin typeface="Segoe UI Light" pitchFamily="32" charset="0"/>
               </a:rPr>
-              <a:t>Onde as </a:t>
+              <a:t>As </a:t>
             </a:r>
             <a:r>
               <a:rPr lang="pt-BR" sz="2800" b="1" dirty="0" smtClean="0">
                 <a:solidFill>
-                  <a:schemeClr val="accent1">
-                    <a:lumMod val="75000"/>
-                  </a:schemeClr>
+                  <a:srgbClr val="376092"/>
                 </a:solidFill>
-                <a:latin typeface="Segoe UI Light" pitchFamily="34" charset="0"/>
+                <a:latin typeface="Segoe UI Light" pitchFamily="32" charset="0"/>
               </a:rPr>
               <a:t>arestas</a:t>
             </a:r>
             <a:r>
               <a:rPr lang="pt-BR" sz="2800" dirty="0" smtClean="0">
-                <a:gradFill>
-                  <a:gsLst>
-                    <a:gs pos="0">
-                      <a:schemeClr val="tx1">
-                        <a:lumMod val="75000"/>
-                        <a:lumOff val="25000"/>
-                      </a:schemeClr>
-                    </a:gs>
-                    <a:gs pos="80000">
-                      <a:schemeClr val="tx1">
-                        <a:lumMod val="65000"/>
-                        <a:lumOff val="35000"/>
-                      </a:schemeClr>
-                    </a:gs>
-                  </a:gsLst>
-                  <a:lin ang="16200000" scaled="0"/>
-                </a:gradFill>
-                <a:latin typeface="Segoe UI Light" pitchFamily="34" charset="0"/>
+                <a:solidFill>
+                  <a:srgbClr val="000000"/>
+                </a:solidFill>
+                <a:latin typeface="Segoe UI Light" pitchFamily="32" charset="0"/>
               </a:rPr>
               <a:t> são as </a:t>
             </a:r>
             <a:r>
               <a:rPr lang="pt-BR" sz="2800" b="1" dirty="0" err="1" smtClean="0">
                 <a:solidFill>
-                  <a:schemeClr val="accent1">
-                    <a:lumMod val="75000"/>
-                  </a:schemeClr>
+                  <a:srgbClr val="376092"/>
                 </a:solidFill>
-                <a:latin typeface="Segoe UI Light" pitchFamily="34" charset="0"/>
+                <a:latin typeface="Segoe UI Light" pitchFamily="32" charset="0"/>
               </a:rPr>
-              <a:t>Inequações da restrições </a:t>
+              <a:t>inequações</a:t>
+            </a:r>
+            <a:r>
+              <a:rPr lang="pt-BR" sz="2800" b="1" dirty="0" smtClean="0">
+                <a:solidFill>
+                  <a:srgbClr val="376092"/>
+                </a:solidFill>
+                <a:latin typeface="Segoe UI Light" pitchFamily="32" charset="0"/>
+              </a:rPr>
+              <a:t> das restrições </a:t>
             </a:r>
             <a:r>
               <a:rPr lang="pt-BR" sz="2800" dirty="0" smtClean="0">
-                <a:gradFill>
-                  <a:gsLst>
-                    <a:gs pos="0">
-                      <a:schemeClr val="tx1">
-                        <a:lumMod val="75000"/>
-                        <a:lumOff val="25000"/>
-                      </a:schemeClr>
-                    </a:gs>
-                    <a:gs pos="80000">
-                      <a:schemeClr val="tx1">
-                        <a:lumMod val="65000"/>
-                        <a:lumOff val="35000"/>
-                      </a:schemeClr>
-                    </a:gs>
-                  </a:gsLst>
-                  <a:lin ang="16200000" scaled="0"/>
-                </a:gradFill>
-                <a:latin typeface="Segoe UI Light" pitchFamily="34" charset="0"/>
+                <a:solidFill>
+                  <a:srgbClr val="000000"/>
+                </a:solidFill>
+                <a:latin typeface="Segoe UI Light" pitchFamily="32" charset="0"/>
               </a:rPr>
               <a:t>e os </a:t>
             </a:r>
             <a:r>
-              <a:rPr lang="pt-BR" sz="2800" b="1" dirty="0" err="1" smtClean="0">
+              <a:rPr lang="pt-BR" sz="2800" b="1" dirty="0" smtClean="0">
                 <a:solidFill>
-                  <a:schemeClr val="accent1">
-                    <a:lumMod val="75000"/>
-                  </a:schemeClr>
+                  <a:srgbClr val="376092"/>
                 </a:solidFill>
-                <a:latin typeface="Segoe UI Light" pitchFamily="34" charset="0"/>
+                <a:latin typeface="Segoe UI Light" pitchFamily="32" charset="0"/>
               </a:rPr>
               <a:t>vértices</a:t>
             </a:r>
             <a:r>
               <a:rPr lang="pt-BR" sz="2800" dirty="0" smtClean="0">
-                <a:gradFill>
-                  <a:gsLst>
-                    <a:gs pos="0">
-                      <a:schemeClr val="tx1">
-                        <a:lumMod val="75000"/>
-                        <a:lumOff val="25000"/>
-                      </a:schemeClr>
-                    </a:gs>
-                    <a:gs pos="80000">
-                      <a:schemeClr val="tx1">
-                        <a:lumMod val="65000"/>
-                        <a:lumOff val="35000"/>
-                      </a:schemeClr>
-                    </a:gs>
-                  </a:gsLst>
-                  <a:lin ang="16200000" scaled="0"/>
-                </a:gradFill>
-                <a:latin typeface="Segoe UI Light" pitchFamily="34" charset="0"/>
+                <a:solidFill>
+                  <a:srgbClr val="000000"/>
+                </a:solidFill>
+                <a:latin typeface="Segoe UI Light" pitchFamily="32" charset="0"/>
               </a:rPr>
               <a:t> são as </a:t>
             </a:r>
             <a:r>
-              <a:rPr lang="pt-BR" sz="2800" b="1" dirty="0" err="1" smtClean="0">
+              <a:rPr lang="pt-BR" sz="2800" b="1" dirty="0" smtClean="0">
                 <a:solidFill>
-                  <a:schemeClr val="accent1">
-                    <a:lumMod val="75000"/>
-                  </a:schemeClr>
+                  <a:srgbClr val="376092"/>
                 </a:solidFill>
-                <a:latin typeface="Segoe UI Light" pitchFamily="34" charset="0"/>
+                <a:latin typeface="Segoe UI Light" pitchFamily="32" charset="0"/>
               </a:rPr>
-              <a:t>intercessões </a:t>
+              <a:t>interseções </a:t>
             </a:r>
             <a:r>
               <a:rPr lang="pt-BR" sz="2800" dirty="0" smtClean="0">
-                <a:gradFill>
-                  <a:gsLst>
-                    <a:gs pos="0">
-                      <a:schemeClr val="tx1">
-                        <a:lumMod val="75000"/>
-                        <a:lumOff val="25000"/>
-                      </a:schemeClr>
-                    </a:gs>
-                    <a:gs pos="80000">
-                      <a:schemeClr val="tx1">
-                        <a:lumMod val="65000"/>
-                        <a:lumOff val="35000"/>
-                      </a:schemeClr>
-                    </a:gs>
-                  </a:gsLst>
-                  <a:lin ang="16200000" scaled="0"/>
-                </a:gradFill>
-                <a:latin typeface="Segoe UI Light" pitchFamily="34" charset="0"/>
+                <a:solidFill>
+                  <a:srgbClr val="000000"/>
+                </a:solidFill>
+                <a:latin typeface="Segoe UI Light" pitchFamily="32" charset="0"/>
               </a:rPr>
               <a:t>entre as </a:t>
             </a:r>
             <a:r>
               <a:rPr lang="pt-BR" sz="2800" dirty="0" err="1" smtClean="0">
-                <a:gradFill>
-                  <a:gsLst>
-                    <a:gs pos="0">
-                      <a:schemeClr val="tx1">
-                        <a:lumMod val="75000"/>
-                        <a:lumOff val="25000"/>
-                      </a:schemeClr>
-                    </a:gs>
-                    <a:gs pos="80000">
-                      <a:schemeClr val="tx1">
-                        <a:lumMod val="65000"/>
-                        <a:lumOff val="35000"/>
-                      </a:schemeClr>
-                    </a:gs>
-                  </a:gsLst>
-                  <a:lin ang="16200000" scaled="0"/>
-                </a:gradFill>
-                <a:latin typeface="Segoe UI Light" pitchFamily="34" charset="0"/>
+                <a:solidFill>
+                  <a:srgbClr val="000000"/>
+                </a:solidFill>
+                <a:latin typeface="Segoe UI Light" pitchFamily="32" charset="0"/>
               </a:rPr>
               <a:t>inequações</a:t>
             </a:r>
             <a:r>
               <a:rPr lang="pt-BR" sz="2800" dirty="0" smtClean="0">
-                <a:gradFill>
-                  <a:gsLst>
-                    <a:gs pos="0">
-                      <a:schemeClr val="tx1">
-                        <a:lumMod val="75000"/>
-                        <a:lumOff val="25000"/>
-                      </a:schemeClr>
-                    </a:gs>
-                    <a:gs pos="80000">
-                      <a:schemeClr val="tx1">
-                        <a:lumMod val="65000"/>
-                        <a:lumOff val="35000"/>
-                      </a:schemeClr>
-                    </a:gs>
-                  </a:gsLst>
-                  <a:lin ang="16200000" scaled="0"/>
-                </a:gradFill>
-                <a:latin typeface="Segoe UI Light" pitchFamily="34" charset="0"/>
+                <a:solidFill>
+                  <a:srgbClr val="000000"/>
+                </a:solidFill>
+                <a:latin typeface="Segoe UI Light" pitchFamily="32" charset="0"/>
               </a:rPr>
               <a:t>.</a:t>
             </a:r>
           </a:p>
           <a:p>
+            <a:pPr>
+              <a:tabLst>
+                <a:tab pos="723900" algn="l"/>
+                <a:tab pos="1447800" algn="l"/>
+                <a:tab pos="2171700" algn="l"/>
+                <a:tab pos="2895600" algn="l"/>
+                <a:tab pos="3619500" algn="l"/>
+                <a:tab pos="4343400" algn="l"/>
+                <a:tab pos="5067300" algn="l"/>
+                <a:tab pos="5791200" algn="l"/>
+                <a:tab pos="6515100" algn="l"/>
+                <a:tab pos="7239000" algn="l"/>
+                <a:tab pos="7962900" algn="l"/>
+                <a:tab pos="8686800" algn="l"/>
+                <a:tab pos="9410700" algn="l"/>
+                <a:tab pos="10134600" algn="l"/>
+                <a:tab pos="10858500" algn="l"/>
+              </a:tabLst>
+            </a:pPr>
             <a:endParaRPr lang="pt-BR" sz="2800" dirty="0" smtClean="0">
-              <a:gradFill>
-                <a:gsLst>
-                  <a:gs pos="0">
-                    <a:schemeClr val="tx1">
-                      <a:lumMod val="75000"/>
-                      <a:lumOff val="25000"/>
-                    </a:schemeClr>
-                  </a:gs>
-                  <a:gs pos="80000">
-                    <a:schemeClr val="tx1">
-                      <a:lumMod val="65000"/>
-                      <a:lumOff val="35000"/>
-                    </a:schemeClr>
-                  </a:gs>
-                </a:gsLst>
-                <a:lin ang="16200000" scaled="0"/>
-              </a:gradFill>
-              <a:latin typeface="Segoe UI Light" pitchFamily="34" charset="0"/>
+              <a:solidFill>
+                <a:srgbClr val="000000"/>
+              </a:solidFill>
+              <a:latin typeface="Segoe UI Light" pitchFamily="32" charset="0"/>
             </a:endParaRPr>
           </a:p>
           <a:p>
+            <a:pPr>
+              <a:tabLst>
+                <a:tab pos="723900" algn="l"/>
+                <a:tab pos="1447800" algn="l"/>
+                <a:tab pos="2171700" algn="l"/>
+                <a:tab pos="2895600" algn="l"/>
+                <a:tab pos="3619500" algn="l"/>
+                <a:tab pos="4343400" algn="l"/>
+                <a:tab pos="5067300" algn="l"/>
+                <a:tab pos="5791200" algn="l"/>
+                <a:tab pos="6515100" algn="l"/>
+                <a:tab pos="7239000" algn="l"/>
+                <a:tab pos="7962900" algn="l"/>
+                <a:tab pos="8686800" algn="l"/>
+                <a:tab pos="9410700" algn="l"/>
+                <a:tab pos="10134600" algn="l"/>
+                <a:tab pos="10858500" algn="l"/>
+              </a:tabLst>
+            </a:pPr>
             <a:r>
               <a:rPr lang="pt-BR" sz="2800" dirty="0" smtClean="0">
-                <a:gradFill>
-                  <a:gsLst>
-                    <a:gs pos="0">
-                      <a:schemeClr val="tx1">
-                        <a:lumMod val="75000"/>
-                        <a:lumOff val="25000"/>
-                      </a:schemeClr>
-                    </a:gs>
-                    <a:gs pos="80000">
-                      <a:schemeClr val="tx1">
-                        <a:lumMod val="65000"/>
-                        <a:lumOff val="35000"/>
-                      </a:schemeClr>
-                    </a:gs>
-                  </a:gsLst>
-                  <a:lin ang="16200000" scaled="0"/>
-                </a:gradFill>
-                <a:latin typeface="Segoe UI Light" pitchFamily="34" charset="0"/>
+                <a:solidFill>
+                  <a:srgbClr val="000000"/>
+                </a:solidFill>
+                <a:latin typeface="Segoe UI Light" pitchFamily="32" charset="0"/>
               </a:rPr>
               <a:t>Cada vértice é </a:t>
             </a:r>
             <a:r>
-              <a:rPr lang="pt-BR" sz="2800" b="1" dirty="0" err="1" smtClean="0">
+              <a:rPr lang="pt-BR" sz="2800" b="1" dirty="0" smtClean="0">
                 <a:solidFill>
-                  <a:schemeClr val="accent1">
-                    <a:lumMod val="75000"/>
-                  </a:schemeClr>
+                  <a:srgbClr val="376092"/>
                 </a:solidFill>
-                <a:latin typeface="Segoe UI Light" pitchFamily="34" charset="0"/>
+                <a:latin typeface="Segoe UI Light" pitchFamily="32" charset="0"/>
               </a:rPr>
               <a:t>comparado </a:t>
             </a:r>
             <a:r>
               <a:rPr lang="pt-BR" sz="2800" dirty="0" smtClean="0">
-                <a:gradFill>
-                  <a:gsLst>
-                    <a:gs pos="0">
-                      <a:schemeClr val="tx1">
-                        <a:lumMod val="75000"/>
-                        <a:lumOff val="25000"/>
-                      </a:schemeClr>
-                    </a:gs>
-                    <a:gs pos="80000">
-                      <a:schemeClr val="tx1">
-                        <a:lumMod val="65000"/>
-                        <a:lumOff val="35000"/>
-                      </a:schemeClr>
-                    </a:gs>
-                  </a:gsLst>
-                  <a:lin ang="16200000" scaled="0"/>
-                </a:gradFill>
-                <a:latin typeface="Segoe UI Light" pitchFamily="34" charset="0"/>
+                <a:solidFill>
+                  <a:srgbClr val="000000"/>
+                </a:solidFill>
+                <a:latin typeface="Segoe UI Light" pitchFamily="32" charset="0"/>
               </a:rPr>
               <a:t>aos seus </a:t>
             </a:r>
             <a:r>
-              <a:rPr lang="pt-BR" sz="2800" b="1" dirty="0" err="1" smtClean="0">
+              <a:rPr lang="pt-BR" sz="2800" b="1" dirty="0" smtClean="0">
                 <a:solidFill>
-                  <a:schemeClr val="accent1">
-                    <a:lumMod val="75000"/>
-                  </a:schemeClr>
+                  <a:srgbClr val="376092"/>
                 </a:solidFill>
-                <a:latin typeface="Segoe UI Light" pitchFamily="34" charset="0"/>
+                <a:latin typeface="Segoe UI Light" pitchFamily="32" charset="0"/>
               </a:rPr>
               <a:t>“vizinhos</a:t>
             </a:r>
             <a:r>
               <a:rPr lang="pt-BR" sz="2800" dirty="0" smtClean="0">
-                <a:gradFill>
-                  <a:gsLst>
-                    <a:gs pos="0">
-                      <a:schemeClr val="tx1">
-                        <a:lumMod val="75000"/>
-                        <a:lumOff val="25000"/>
-                      </a:schemeClr>
-                    </a:gs>
-                    <a:gs pos="80000">
-                      <a:schemeClr val="tx1">
-                        <a:lumMod val="65000"/>
-                        <a:lumOff val="35000"/>
-                      </a:schemeClr>
-                    </a:gs>
-                  </a:gsLst>
-                  <a:lin ang="16200000" scaled="0"/>
-                </a:gradFill>
-                <a:latin typeface="Segoe UI Light" pitchFamily="34" charset="0"/>
+                <a:solidFill>
+                  <a:srgbClr val="000000"/>
+                </a:solidFill>
+                <a:latin typeface="Segoe UI Light" pitchFamily="32" charset="0"/>
               </a:rPr>
               <a:t>”. Caso ele seja </a:t>
             </a:r>
             <a:r>
-              <a:rPr lang="pt-BR" sz="2800" b="1" dirty="0" err="1" smtClean="0">
+              <a:rPr lang="pt-BR" sz="2800" b="1" dirty="0" smtClean="0">
                 <a:solidFill>
-                  <a:schemeClr val="accent1">
-                    <a:lumMod val="75000"/>
-                  </a:schemeClr>
+                  <a:srgbClr val="376092"/>
                 </a:solidFill>
-                <a:latin typeface="Segoe UI Light" pitchFamily="34" charset="0"/>
+                <a:latin typeface="Segoe UI Light" pitchFamily="32" charset="0"/>
               </a:rPr>
               <a:t>ótimo</a:t>
             </a:r>
             <a:r>
               <a:rPr lang="pt-BR" sz="2800" dirty="0" smtClean="0">
-                <a:gradFill>
-                  <a:gsLst>
-                    <a:gs pos="0">
-                      <a:schemeClr val="tx1">
-                        <a:lumMod val="75000"/>
-                        <a:lumOff val="25000"/>
-                      </a:schemeClr>
-                    </a:gs>
-                    <a:gs pos="80000">
-                      <a:schemeClr val="tx1">
-                        <a:lumMod val="65000"/>
-                        <a:lumOff val="35000"/>
-                      </a:schemeClr>
-                    </a:gs>
-                  </a:gsLst>
-                  <a:lin ang="16200000" scaled="0"/>
-                </a:gradFill>
-                <a:latin typeface="Segoe UI Light" pitchFamily="34" charset="0"/>
+                <a:solidFill>
+                  <a:srgbClr val="000000"/>
+                </a:solidFill>
+                <a:latin typeface="Segoe UI Light" pitchFamily="32" charset="0"/>
               </a:rPr>
-              <a:t> o algoritmo para, caso algum vizinho seja melhor, será realizado mesmo procedimento no vértice vizinho.</a:t>
+              <a:t>, o algoritmo para. Caso algum vizinho seja melhor, será realizado o mesmo procedimento no vértice vizinho.</a:t>
             </a:r>
+            <a:endParaRPr lang="pt-BR" sz="2800" dirty="0">
+              <a:solidFill>
+                <a:srgbClr val="000000"/>
+              </a:solidFill>
+              <a:latin typeface="Segoe UI Light" pitchFamily="32" charset="0"/>
+            </a:endParaRPr>
           </a:p>
         </p:txBody>
       </p:sp>
@@ -7599,7 +7578,25 @@
                 </a:solidFill>
                 <a:latin typeface="+mj-lt"/>
               </a:rPr>
-              <a:t>4) O ALGORÍTIMO SIMPLEX</a:t>
+              <a:t>4) O </a:t>
+            </a:r>
+            <a:r>
+              <a:rPr lang="pt-BR" sz="4000" spc="-100" dirty="0" smtClean="0">
+                <a:solidFill>
+                  <a:srgbClr val="082658"/>
+                </a:solidFill>
+                <a:latin typeface="+mj-lt"/>
+              </a:rPr>
+              <a:t>ALGORITMO </a:t>
+            </a:r>
+            <a:r>
+              <a:rPr lang="pt-BR" sz="4000" spc="-100" dirty="0" smtClean="0">
+                <a:solidFill>
+                  <a:srgbClr val="082658"/>
+                </a:solidFill>
+                <a:latin typeface="+mj-lt"/>
+              </a:rPr>
+              <a:t>SIMPLEX</a:t>
             </a:r>
             <a:endParaRPr lang="en-US" sz="4000" spc="-100" dirty="0">
               <a:solidFill>
@@ -9188,7 +9185,25 @@
                 </a:solidFill>
                 <a:latin typeface="+mj-lt"/>
               </a:rPr>
-              <a:t>4) O ALGORÍTIMO SIMPLEX</a:t>
+              <a:t>4) O </a:t>
+            </a:r>
+            <a:r>
+              <a:rPr lang="pt-BR" sz="4000" spc="-100" dirty="0" smtClean="0">
+                <a:solidFill>
+                  <a:srgbClr val="082658"/>
+                </a:solidFill>
+                <a:latin typeface="+mj-lt"/>
+              </a:rPr>
+              <a:t>ALGORITMO </a:t>
+            </a:r>
+            <a:r>
+              <a:rPr lang="pt-BR" sz="4000" spc="-100" dirty="0" smtClean="0">
+                <a:solidFill>
+                  <a:srgbClr val="082658"/>
+                </a:solidFill>
+                <a:latin typeface="+mj-lt"/>
+              </a:rPr>
+              <a:t>SIMPLEX</a:t>
             </a:r>
             <a:endParaRPr lang="en-US" sz="4000" spc="-100" dirty="0">
               <a:solidFill>
@@ -10354,7 +10369,25 @@
                 </a:solidFill>
                 <a:latin typeface="+mj-lt"/>
               </a:rPr>
-              <a:t>4) O ALGORÍTIMO SIMPLEX</a:t>
+              <a:t>4) O </a:t>
+            </a:r>
+            <a:r>
+              <a:rPr lang="pt-BR" sz="4000" spc="-100" dirty="0" smtClean="0">
+                <a:solidFill>
+                  <a:srgbClr val="082658"/>
+                </a:solidFill>
+                <a:latin typeface="+mj-lt"/>
+              </a:rPr>
+              <a:t>ALGORITMO </a:t>
+            </a:r>
+            <a:r>
+              <a:rPr lang="pt-BR" sz="4000" spc="-100" dirty="0" smtClean="0">
+                <a:solidFill>
+                  <a:srgbClr val="082658"/>
+                </a:solidFill>
+                <a:latin typeface="+mj-lt"/>
+              </a:rPr>
+              <a:t>SIMPLEX</a:t>
             </a:r>
             <a:endParaRPr lang="en-US" sz="4000" spc="-100" dirty="0">
               <a:solidFill>
@@ -10995,7 +11028,25 @@
                 </a:solidFill>
                 <a:latin typeface="+mj-lt"/>
               </a:rPr>
-              <a:t>4) O ALGORÍTIMO SIMPLEX</a:t>
+              <a:t>4) O </a:t>
+            </a:r>
+            <a:r>
+              <a:rPr lang="pt-BR" sz="4000" spc="-100" dirty="0" smtClean="0">
+                <a:solidFill>
+                  <a:srgbClr val="082658"/>
+                </a:solidFill>
+                <a:latin typeface="+mj-lt"/>
+              </a:rPr>
+              <a:t>ALGORITMO </a:t>
+            </a:r>
+            <a:r>
+              <a:rPr lang="pt-BR" sz="4000" spc="-100" dirty="0" smtClean="0">
+                <a:solidFill>
+                  <a:srgbClr val="082658"/>
+                </a:solidFill>
+                <a:latin typeface="+mj-lt"/>
+              </a:rPr>
+              <a:t>SIMPLEX</a:t>
             </a:r>
             <a:endParaRPr lang="en-US" sz="4000" spc="-100" dirty="0">
               <a:solidFill>
@@ -20212,7 +20263,7 @@
                 <a:ea typeface="Segoe UI" pitchFamily="34" charset="0"/>
                 <a:cs typeface="Segoe UI" pitchFamily="34" charset="0"/>
               </a:rPr>
-              <a:t>Algorítimo</a:t>
+              <a:t>Algoritmo</a:t>
             </a:r>
             <a:r>
               <a:rPr lang="en-US" sz="2000" spc="-70" dirty="0" smtClean="0">
@@ -20222,7 +20273,17 @@
                 <a:ea typeface="Segoe UI" pitchFamily="34" charset="0"/>
                 <a:cs typeface="Segoe UI" pitchFamily="34" charset="0"/>
               </a:rPr>
-              <a:t> Simplex</a:t>
+              <a:t> </a:t>
+            </a:r>
+            <a:r>
+              <a:rPr lang="en-US" sz="2000" spc="-70" dirty="0" smtClean="0">
+                <a:solidFill>
+                  <a:schemeClr val="bg1"/>
+                </a:solidFill>
+                <a:ea typeface="Segoe UI" pitchFamily="34" charset="0"/>
+                <a:cs typeface="Segoe UI" pitchFamily="34" charset="0"/>
+              </a:rPr>
+              <a:t>Simplex</a:t>
             </a:r>
             <a:endParaRPr lang="en-US" sz="2000" spc="-70" dirty="0">
               <a:solidFill>
@@ -35345,7 +35406,7 @@
         <p:spPr>
           <a:xfrm>
             <a:off x="514270" y="2078135"/>
-            <a:ext cx="6092825" cy="646331"/>
+            <a:ext cx="6092825" cy="707886"/>
           </a:xfrm>
           <a:prstGeom prst="rect">
             <a:avLst/>
@@ -35359,7 +35420,7 @@
           <a:p>
             <a:pPr algn="just"/>
             <a:r>
-              <a:rPr lang="pt-BR" dirty="0" smtClean="0">
+              <a:rPr lang="pt-BR" sz="2000" dirty="0" smtClean="0">
                 <a:gradFill>
                   <a:gsLst>
                     <a:gs pos="0">
@@ -35382,7 +35443,7 @@
               <a:t>O </a:t>
             </a:r>
             <a:r>
-              <a:rPr lang="pt-BR" dirty="0" err="1" smtClean="0">
+              <a:rPr lang="pt-BR" sz="2000" dirty="0" smtClean="0">
                 <a:gradFill>
                   <a:gsLst>
                     <a:gs pos="0">
@@ -35402,10 +35463,10 @@
                 </a:gradFill>
                 <a:latin typeface="Segoe UI Light" pitchFamily="34" charset="0"/>
               </a:rPr>
-              <a:t>looping</a:t>
+              <a:t>processo se repete até que </a:t>
             </a:r>
             <a:r>
-              <a:rPr lang="pt-BR" dirty="0" smtClean="0">
+              <a:rPr lang="pt-BR" sz="2000" dirty="0" smtClean="0">
                 <a:gradFill>
                   <a:gsLst>
                     <a:gs pos="0">
@@ -35425,10 +35486,10 @@
                 </a:gradFill>
                 <a:latin typeface="Segoe UI Light" pitchFamily="34" charset="0"/>
               </a:rPr>
-              <a:t> </a:t>
+              <a:t>todos </a:t>
             </a:r>
             <a:r>
-              <a:rPr lang="pt-BR" dirty="0" smtClean="0">
+              <a:rPr lang="pt-BR" sz="2000" dirty="0" smtClean="0">
                 <a:gradFill>
                   <a:gsLst>
                     <a:gs pos="0">
@@ -35448,10 +35509,10 @@
                 </a:gradFill>
                 <a:latin typeface="Segoe UI Light" pitchFamily="34" charset="0"/>
               </a:rPr>
-              <a:t>para </a:t>
+              <a:t>os coeficientes da função objetivo </a:t>
             </a:r>
             <a:r>
-              <a:rPr lang="pt-BR" dirty="0" smtClean="0">
+              <a:rPr lang="pt-BR" sz="2000" dirty="0" smtClean="0">
                 <a:gradFill>
                   <a:gsLst>
                     <a:gs pos="0">
@@ -35471,32 +35532,9 @@
                 </a:gradFill>
                 <a:latin typeface="Segoe UI Light" pitchFamily="34" charset="0"/>
               </a:rPr>
-              <a:t>quando todos os coeficientes da função objetivo </a:t>
+              <a:t>estejam negativos</a:t>
             </a:r>
-            <a:r>
-              <a:rPr lang="pt-BR" dirty="0" smtClean="0">
-                <a:gradFill>
-                  <a:gsLst>
-                    <a:gs pos="0">
-                      <a:schemeClr val="tx1">
-                        <a:lumMod val="75000"/>
-                        <a:lumOff val="25000"/>
-                      </a:schemeClr>
-                    </a:gs>
-                    <a:gs pos="80000">
-                      <a:schemeClr val="tx1">
-                        <a:lumMod val="65000"/>
-                        <a:lumOff val="35000"/>
-                      </a:schemeClr>
-                    </a:gs>
-                  </a:gsLst>
-                  <a:lin ang="16200000" scaled="0"/>
-                </a:gradFill>
-                <a:latin typeface="Segoe UI Light" pitchFamily="34" charset="0"/>
-              </a:rPr>
-              <a:t>estiverem negativos.</a:t>
-            </a:r>
-            <a:endParaRPr lang="pt-BR" dirty="0">
+            <a:endParaRPr lang="pt-BR" sz="2000" dirty="0">
               <a:gradFill>
                 <a:gsLst>
                   <a:gs pos="0">
@@ -35997,7 +36035,7 @@
                 <a:ea typeface="Segoe UI" pitchFamily="34" charset="0"/>
                 <a:cs typeface="Segoe UI" pitchFamily="34" charset="0"/>
               </a:rPr>
-              <a:t>Algorítimo</a:t>
+              <a:t>Algoritmo</a:t>
             </a:r>
             <a:r>
               <a:rPr lang="en-US" sz="2000" spc="-70" dirty="0" smtClean="0">
@@ -36007,7 +36045,17 @@
                 <a:ea typeface="Segoe UI" pitchFamily="34" charset="0"/>
                 <a:cs typeface="Segoe UI" pitchFamily="34" charset="0"/>
               </a:rPr>
-              <a:t> Simplex</a:t>
+              <a:t> </a:t>
+            </a:r>
+            <a:r>
+              <a:rPr lang="en-US" sz="2000" spc="-70" dirty="0" smtClean="0">
+                <a:solidFill>
+                  <a:schemeClr val="bg1"/>
+                </a:solidFill>
+                <a:ea typeface="Segoe UI" pitchFamily="34" charset="0"/>
+                <a:cs typeface="Segoe UI" pitchFamily="34" charset="0"/>
+              </a:rPr>
+              <a:t>Simplex</a:t>
             </a:r>
             <a:endParaRPr lang="en-US" sz="2000" spc="-70" dirty="0">
               <a:solidFill>
@@ -36674,18 +36722,7 @@
                 </a:solidFill>
                 <a:latin typeface="Segoe UI Light" pitchFamily="34" charset="0"/>
               </a:rPr>
-              <a:t>Considerando</a:t>
-            </a:r>
-            <a:r>
-              <a:rPr lang="pt-BR" sz="2800" b="1" dirty="0" smtClean="0">
-                <a:solidFill>
-                  <a:schemeClr val="accent1">
-                    <a:lumMod val="75000"/>
-                  </a:schemeClr>
-                </a:solidFill>
-                <a:latin typeface="Segoe UI Light" pitchFamily="34" charset="0"/>
-              </a:rPr>
-              <a:t>:</a:t>
+              <a:t>Considerando:</a:t>
             </a:r>
             <a:endParaRPr lang="pt-BR" sz="2800" b="1" dirty="0">
               <a:solidFill>
@@ -36785,8 +36822,10 @@
                 </a:solidFill>
                 <a:latin typeface="Segoe UI Light" pitchFamily="34" charset="0"/>
               </a:rPr>
-              <a:t>C</a:t>
+              <a:t>Complexidade:</a:t>
             </a:r>
+          </a:p>
+          <a:p>
             <a:r>
               <a:rPr lang="pt-BR" sz="2800" b="1" dirty="0" smtClean="0">
                 <a:solidFill>
@@ -36796,42 +36835,7 @@
                 </a:solidFill>
                 <a:latin typeface="Segoe UI Light" pitchFamily="34" charset="0"/>
               </a:rPr>
-              <a:t>omplexidade:</a:t>
-            </a:r>
-          </a:p>
-          <a:p>
-            <a:r>
-              <a:rPr lang="pt-BR" sz="2800" b="1" dirty="0" smtClean="0">
-                <a:solidFill>
-                  <a:schemeClr val="accent1">
-                    <a:lumMod val="75000"/>
-                  </a:schemeClr>
-                </a:solidFill>
-                <a:latin typeface="Segoe UI Light" pitchFamily="34" charset="0"/>
-              </a:rPr>
-              <a:t>	</a:t>
-            </a:r>
-            <a:r>
-              <a:rPr lang="pt-BR" sz="2800" b="1" dirty="0" smtClean="0">
-                <a:solidFill>
-                  <a:schemeClr val="accent1">
-                    <a:lumMod val="75000"/>
-                  </a:schemeClr>
-                </a:solidFill>
-                <a:latin typeface="Segoe UI Light" pitchFamily="34" charset="0"/>
-              </a:rPr>
-              <a:t>Por iteração: 	O(RV)*</a:t>
-            </a:r>
-            <a:r>
-              <a:rPr lang="pt-BR" sz="2800" b="1" dirty="0" smtClean="0">
-                <a:solidFill>
-                  <a:schemeClr val="accent1">
-                    <a:lumMod val="75000"/>
-                  </a:schemeClr>
-                </a:solidFill>
-                <a:latin typeface="Segoe UI Light" pitchFamily="34" charset="0"/>
-              </a:rPr>
-              <a:t>O(V</a:t>
+              <a:t>	Por iteração: 	O(RV)*O(V</a:t>
             </a:r>
             <a:r>
               <a:rPr lang="pt-BR" sz="2800" b="1" baseline="30000" dirty="0" smtClean="0">
@@ -36853,18 +36857,7 @@
                 </a:solidFill>
                 <a:latin typeface="Segoe UI Light" pitchFamily="34" charset="0"/>
               </a:rPr>
-              <a:t>)*O(1) </a:t>
-            </a:r>
-            <a:r>
-              <a:rPr lang="pt-BR" sz="2800" b="1" dirty="0" smtClean="0">
-                <a:solidFill>
-                  <a:schemeClr val="accent1">
-                    <a:lumMod val="75000"/>
-                  </a:schemeClr>
-                </a:solidFill>
-                <a:latin typeface="Segoe UI Light" pitchFamily="34" charset="0"/>
-              </a:rPr>
-              <a:t>= O(RV</a:t>
+              <a:t>)*O(1) = O(RV</a:t>
             </a:r>
             <a:r>
               <a:rPr lang="pt-BR" sz="2800" b="1" baseline="30000" dirty="0" smtClean="0">
@@ -36899,29 +36892,7 @@
                 </a:solidFill>
                 <a:latin typeface="Segoe UI Light" pitchFamily="34" charset="0"/>
               </a:rPr>
-              <a:t>				O(RV)</a:t>
-            </a:r>
-            <a:r>
-              <a:rPr lang="pt-BR" sz="2800" b="1" dirty="0" smtClean="0">
-                <a:solidFill>
-                  <a:schemeClr val="accent1">
-                    <a:lumMod val="75000"/>
-                  </a:schemeClr>
-                </a:solidFill>
-                <a:latin typeface="Segoe UI Light" pitchFamily="34" charset="0"/>
-              </a:rPr>
-              <a:t>	</a:t>
-            </a:r>
-            <a:r>
-              <a:rPr lang="pt-BR" sz="2800" b="1" dirty="0" smtClean="0">
-                <a:solidFill>
-                  <a:schemeClr val="accent1">
-                    <a:lumMod val="75000"/>
-                  </a:schemeClr>
-                </a:solidFill>
-                <a:latin typeface="Segoe UI Light" pitchFamily="34" charset="0"/>
-              </a:rPr>
-              <a:t>			</a:t>
+              <a:t>				O(RV)				</a:t>
             </a:r>
           </a:p>
           <a:p>
@@ -36947,18 +36918,7 @@
                 </a:solidFill>
                 <a:latin typeface="Segoe UI Light" pitchFamily="34" charset="0"/>
               </a:rPr>
-              <a:t>	</a:t>
-            </a:r>
-            <a:r>
-              <a:rPr lang="pt-BR" sz="2800" b="1" dirty="0" smtClean="0">
-                <a:solidFill>
-                  <a:schemeClr val="accent1">
-                    <a:lumMod val="75000"/>
-                  </a:schemeClr>
-                </a:solidFill>
-                <a:latin typeface="Segoe UI Light" pitchFamily="34" charset="0"/>
-              </a:rPr>
-              <a:t>Qtd iterações: 		exponencial em V</a:t>
+              <a:t>	Qtd iterações: 		exponencial em V</a:t>
             </a:r>
             <a:endParaRPr lang="pt-BR" sz="2800" b="1" baseline="-25000" dirty="0" smtClean="0">
               <a:solidFill>
@@ -37021,6 +36981,783 @@
           </a:graphicData>
         </a:graphic>
       </p:graphicFrame>
+      <p:sp>
+        <p:nvSpPr>
+          <p:cNvPr id="7" name="Texto explicativo retangular com cantos arredondados 6"/>
+          <p:cNvSpPr/>
+          <p:nvPr/>
+        </p:nvSpPr>
+        <p:spPr>
+          <a:xfrm>
+            <a:off x="4005387" y="3356992"/>
+            <a:ext cx="1080120" cy="540060"/>
+          </a:xfrm>
+          <a:prstGeom prst="wedgeRoundRectCallout">
+            <a:avLst>
+              <a:gd name="adj1" fmla="val -12037"/>
+              <a:gd name="adj2" fmla="val 82290"/>
+              <a:gd name="adj3" fmla="val 16667"/>
+            </a:avLst>
+          </a:prstGeom>
+        </p:spPr>
+        <p:style>
+          <a:lnRef idx="2">
+            <a:schemeClr val="accent1">
+              <a:shade val="50000"/>
+            </a:schemeClr>
+          </a:lnRef>
+          <a:fillRef idx="1">
+            <a:schemeClr val="accent1"/>
+          </a:fillRef>
+          <a:effectRef idx="0">
+            <a:schemeClr val="accent1"/>
+          </a:effectRef>
+          <a:fontRef idx="minor">
+            <a:schemeClr val="lt1"/>
+          </a:fontRef>
+        </p:style>
+        <p:txBody>
+          <a:bodyPr rtlCol="0" anchor="ctr"/>
+          <a:lstStyle/>
+          <a:p>
+            <a:pPr algn="ctr"/>
+            <a:r>
+              <a:rPr lang="pt-BR" dirty="0" smtClean="0"/>
+              <a:t>Vizinhos</a:t>
+            </a:r>
+            <a:endParaRPr lang="pt-BR" dirty="0"/>
+          </a:p>
+        </p:txBody>
+      </p:sp>
+      <p:sp>
+        <p:nvSpPr>
+          <p:cNvPr id="8" name="Texto explicativo retangular com cantos arredondados 7"/>
+          <p:cNvSpPr/>
+          <p:nvPr/>
+        </p:nvSpPr>
+        <p:spPr>
+          <a:xfrm>
+            <a:off x="5193519" y="3356992"/>
+            <a:ext cx="1224136" cy="540060"/>
+          </a:xfrm>
+          <a:prstGeom prst="wedgeRoundRectCallout">
+            <a:avLst>
+              <a:gd name="adj1" fmla="val -12037"/>
+              <a:gd name="adj2" fmla="val 82290"/>
+              <a:gd name="adj3" fmla="val 16667"/>
+            </a:avLst>
+          </a:prstGeom>
+        </p:spPr>
+        <p:style>
+          <a:lnRef idx="2">
+            <a:schemeClr val="accent1">
+              <a:shade val="50000"/>
+            </a:schemeClr>
+          </a:lnRef>
+          <a:fillRef idx="1">
+            <a:schemeClr val="accent1"/>
+          </a:fillRef>
+          <a:effectRef idx="0">
+            <a:schemeClr val="accent1"/>
+          </a:effectRef>
+          <a:fontRef idx="minor">
+            <a:schemeClr val="lt1"/>
+          </a:fontRef>
+        </p:style>
+        <p:txBody>
+          <a:bodyPr rtlCol="0" anchor="ctr"/>
+          <a:lstStyle/>
+          <a:p>
+            <a:pPr algn="ctr"/>
+            <a:r>
+              <a:rPr lang="pt-BR" dirty="0" smtClean="0"/>
+              <a:t>Gaussiana</a:t>
+            </a:r>
+            <a:endParaRPr lang="pt-BR" dirty="0"/>
+          </a:p>
+        </p:txBody>
+      </p:sp>
+    </p:spTree>
+    <p:extLst>
+      <p:ext uri="{BB962C8B-B14F-4D97-AF65-F5344CB8AC3E}">
+        <p14:creationId xmlns:p14="http://schemas.microsoft.com/office/powerpoint/2010/main" xmlns="" val="690298964"/>
+      </p:ext>
+    </p:extLst>
+  </p:cSld>
+  <p:clrMapOvr>
+    <a:masterClrMapping/>
+  </p:clrMapOvr>
+  <mc:AlternateContent xmlns:mc="http://schemas.openxmlformats.org/markup-compatibility/2006">
+    <mc:Choice xmlns:p14="http://schemas.microsoft.com/office/powerpoint/2010/main" xmlns="" Requires="p14">
+      <p:transition p14:dur="0"/>
+    </mc:Choice>
+    <mc:Fallback>
+      <p:transition/>
+    </mc:Fallback>
+  </mc:AlternateContent>
+  <p:timing>
+    <p:tnLst>
+      <p:par>
+        <p:cTn id="1" dur="indefinite" restart="never" nodeType="tmRoot"/>
+      </p:par>
+    </p:tnLst>
+  </p:timing>
+</p:sld>
+</file>
+
+<file path=ppt/slides/slide29.xml><?xml version="1.0" encoding="utf-8"?>
+<p:sld xmlns:a="http://schemas.openxmlformats.org/drawingml/2006/main" xmlns:r="http://schemas.openxmlformats.org/officeDocument/2006/relationships" xmlns:p="http://schemas.openxmlformats.org/presentationml/2006/main">
+  <p:cSld>
+    <p:spTree>
+      <p:nvGrpSpPr>
+        <p:cNvPr id="1" name=""/>
+        <p:cNvGrpSpPr/>
+        <p:nvPr/>
+      </p:nvGrpSpPr>
+      <p:grpSpPr>
+        <a:xfrm>
+          <a:off x="0" y="0"/>
+          <a:ext cx="0" cy="0"/>
+          <a:chOff x="0" y="0"/>
+          <a:chExt cx="0" cy="0"/>
+        </a:xfrm>
+      </p:grpSpPr>
+      <p:sp>
+        <p:nvSpPr>
+          <p:cNvPr id="14" name="TextBox 13"/>
+          <p:cNvSpPr txBox="1"/>
+          <p:nvPr/>
+        </p:nvSpPr>
+        <p:spPr>
+          <a:xfrm>
+            <a:off x="514270" y="486135"/>
+            <a:ext cx="10076152" cy="689420"/>
+          </a:xfrm>
+          <a:prstGeom prst="rect">
+            <a:avLst/>
+          </a:prstGeom>
+          <a:noFill/>
+        </p:spPr>
+        <p:txBody>
+          <a:bodyPr wrap="square" lIns="0" tIns="0" rIns="0" bIns="0">
+            <a:spAutoFit/>
+          </a:bodyPr>
+          <a:lstStyle/>
+          <a:p>
+            <a:pPr defTabSz="914363" fontAlgn="auto">
+              <a:lnSpc>
+                <a:spcPct val="120000"/>
+              </a:lnSpc>
+              <a:spcBef>
+                <a:spcPts val="0"/>
+              </a:spcBef>
+              <a:spcAft>
+                <a:spcPts val="0"/>
+              </a:spcAft>
+              <a:defRPr/>
+            </a:pPr>
+            <a:r>
+              <a:rPr lang="pt-BR" sz="4000" spc="-100" dirty="0">
+                <a:solidFill>
+                  <a:srgbClr val="082658"/>
+                </a:solidFill>
+                <a:latin typeface="+mj-lt"/>
+              </a:rPr>
+              <a:t>4</a:t>
+            </a:r>
+            <a:r>
+              <a:rPr lang="pt-BR" sz="4000" spc="-100" dirty="0" smtClean="0">
+                <a:solidFill>
+                  <a:srgbClr val="082658"/>
+                </a:solidFill>
+                <a:latin typeface="+mj-lt"/>
+              </a:rPr>
+              <a:t>) Complexidade</a:t>
+            </a:r>
+            <a:endParaRPr lang="en-US" sz="4000" spc="-100" dirty="0">
+              <a:solidFill>
+                <a:srgbClr val="082658"/>
+              </a:solidFill>
+              <a:latin typeface="+mj-lt"/>
+            </a:endParaRPr>
+          </a:p>
+        </p:txBody>
+      </p:sp>
+      <p:pic>
+        <p:nvPicPr>
+          <p:cNvPr id="4" name="Imagem 3"/>
+          <p:cNvPicPr>
+            <a:picLocks noChangeAspect="1"/>
+          </p:cNvPicPr>
+          <p:nvPr/>
+        </p:nvPicPr>
+        <p:blipFill>
+          <a:blip r:embed="rId4" cstate="print">
+            <a:extLst>
+              <a:ext uri="{28A0092B-C50C-407E-A947-70E740481C1C}">
+                <a14:useLocalDpi xmlns:a14="http://schemas.microsoft.com/office/drawing/2010/main" xmlns="" val="0"/>
+              </a:ext>
+            </a:extLst>
+          </a:blip>
+          <a:stretch>
+            <a:fillRect/>
+          </a:stretch>
+        </p:blipFill>
+        <p:spPr>
+          <a:xfrm>
+            <a:off x="10590421" y="295634"/>
+            <a:ext cx="1292012" cy="258436"/>
+          </a:xfrm>
+          <a:prstGeom prst="rect">
+            <a:avLst/>
+          </a:prstGeom>
+        </p:spPr>
+      </p:pic>
+      <p:graphicFrame>
+        <p:nvGraphicFramePr>
+          <p:cNvPr id="5" name="Objeto 4"/>
+          <p:cNvGraphicFramePr>
+            <a:graphicFrameLocks noChangeAspect="1"/>
+          </p:cNvGraphicFramePr>
+          <p:nvPr/>
+        </p:nvGraphicFramePr>
+        <p:xfrm>
+          <a:off x="6035675" y="3321050"/>
+          <a:ext cx="114300" cy="215900"/>
+        </p:xfrm>
+        <a:graphic>
+          <a:graphicData uri="http://schemas.openxmlformats.org/presentationml/2006/ole">
+            <p:oleObj spid="_x0000_s49154" name="Equação" r:id="rId5" imgW="114120" imgH="215640" progId="Equation.3">
+              <p:embed/>
+            </p:oleObj>
+          </a:graphicData>
+        </a:graphic>
+      </p:graphicFrame>
+      <p:sp>
+        <p:nvSpPr>
+          <p:cNvPr id="7" name="Retângulo 6"/>
+          <p:cNvSpPr/>
+          <p:nvPr/>
+        </p:nvSpPr>
+        <p:spPr>
+          <a:xfrm>
+            <a:off x="368983" y="2681917"/>
+            <a:ext cx="11413268" cy="369332"/>
+          </a:xfrm>
+          <a:prstGeom prst="rect">
+            <a:avLst/>
+          </a:prstGeom>
+        </p:spPr>
+        <p:txBody>
+          <a:bodyPr wrap="square">
+            <a:spAutoFit/>
+          </a:bodyPr>
+          <a:lstStyle/>
+          <a:p>
+            <a:r>
+              <a:rPr lang="pt-BR" dirty="0" smtClean="0">
+                <a:solidFill>
+                  <a:schemeClr val="bg1">
+                    <a:lumMod val="50000"/>
+                  </a:schemeClr>
+                </a:solidFill>
+              </a:rPr>
+              <a:t>STRANG, Gilbert</a:t>
+            </a:r>
+            <a:r>
+              <a:rPr lang="pt-BR" i="1" dirty="0" smtClean="0">
+                <a:solidFill>
+                  <a:schemeClr val="bg1">
+                    <a:lumMod val="50000"/>
+                  </a:schemeClr>
+                </a:solidFill>
+              </a:rPr>
+              <a:t>.  </a:t>
+            </a:r>
+            <a:r>
+              <a:rPr lang="pt-BR" b="1" u="sng" dirty="0" smtClean="0">
+                <a:solidFill>
+                  <a:schemeClr val="tx2">
+                    <a:lumMod val="75000"/>
+                  </a:schemeClr>
+                </a:solidFill>
+              </a:rPr>
+              <a:t>ÁLGEBRA LINEAR E SUAS APLICAÇÕES;  </a:t>
+            </a:r>
+            <a:r>
+              <a:rPr lang="pt-BR" dirty="0" smtClean="0">
+                <a:solidFill>
+                  <a:schemeClr val="bg1">
+                    <a:lumMod val="50000"/>
+                  </a:schemeClr>
+                </a:solidFill>
+              </a:rPr>
+              <a:t>4.ed</a:t>
+            </a:r>
+            <a:r>
+              <a:rPr lang="pt-BR" dirty="0" smtClean="0">
+                <a:solidFill>
+                  <a:schemeClr val="bg1">
+                    <a:lumMod val="50000"/>
+                  </a:schemeClr>
+                </a:solidFill>
+              </a:rPr>
+              <a:t>. </a:t>
+            </a:r>
+            <a:r>
+              <a:rPr lang="pt-BR" dirty="0" smtClean="0">
+                <a:solidFill>
+                  <a:schemeClr val="bg1">
+                    <a:lumMod val="50000"/>
+                  </a:schemeClr>
+                </a:solidFill>
+              </a:rPr>
+              <a:t>CENAGE LEARNING 2010.</a:t>
+            </a:r>
+            <a:endParaRPr lang="pt-BR" dirty="0">
+              <a:solidFill>
+                <a:schemeClr val="bg1">
+                  <a:lumMod val="50000"/>
+                </a:schemeClr>
+              </a:solidFill>
+            </a:endParaRPr>
+          </a:p>
+        </p:txBody>
+      </p:sp>
+      <p:sp>
+        <p:nvSpPr>
+          <p:cNvPr id="6" name="Retângulo 5"/>
+          <p:cNvSpPr/>
+          <p:nvPr/>
+        </p:nvSpPr>
+        <p:spPr>
+          <a:xfrm>
+            <a:off x="368983" y="3374994"/>
+            <a:ext cx="11413268" cy="369332"/>
+          </a:xfrm>
+          <a:prstGeom prst="rect">
+            <a:avLst/>
+          </a:prstGeom>
+        </p:spPr>
+        <p:txBody>
+          <a:bodyPr wrap="square">
+            <a:spAutoFit/>
+          </a:bodyPr>
+          <a:lstStyle/>
+          <a:p>
+            <a:r>
+              <a:rPr lang="pt-BR" dirty="0" smtClean="0">
+                <a:solidFill>
+                  <a:schemeClr val="bg1">
+                    <a:lumMod val="50000"/>
+                  </a:schemeClr>
+                </a:solidFill>
+              </a:rPr>
+              <a:t>FILHO, Caixeta</a:t>
+            </a:r>
+            <a:r>
+              <a:rPr lang="pt-BR" i="1" dirty="0" smtClean="0">
+                <a:solidFill>
+                  <a:schemeClr val="bg1">
+                    <a:lumMod val="50000"/>
+                  </a:schemeClr>
+                </a:solidFill>
+              </a:rPr>
+              <a:t>.  </a:t>
+            </a:r>
+            <a:r>
+              <a:rPr lang="pt-BR" b="1" u="sng" dirty="0" smtClean="0">
+                <a:solidFill>
+                  <a:schemeClr val="tx2">
+                    <a:lumMod val="75000"/>
+                  </a:schemeClr>
+                </a:solidFill>
+              </a:rPr>
+              <a:t>PESQUISA OPERACIONAL:  </a:t>
+            </a:r>
+            <a:r>
+              <a:rPr lang="pt-BR" b="1" dirty="0" smtClean="0">
+                <a:solidFill>
+                  <a:schemeClr val="bg1">
+                    <a:lumMod val="50000"/>
+                  </a:schemeClr>
+                </a:solidFill>
+              </a:rPr>
+              <a:t>Técnicas de otimização aplicadas a agroindústrias</a:t>
+            </a:r>
+            <a:r>
+              <a:rPr lang="pt-BR" dirty="0" smtClean="0">
+                <a:solidFill>
+                  <a:schemeClr val="bg1">
+                    <a:lumMod val="50000"/>
+                  </a:schemeClr>
+                </a:solidFill>
+              </a:rPr>
+              <a:t>;  4.ed</a:t>
+            </a:r>
+            <a:r>
+              <a:rPr lang="pt-BR" dirty="0" smtClean="0">
+                <a:solidFill>
+                  <a:schemeClr val="bg1">
+                    <a:lumMod val="50000"/>
+                  </a:schemeClr>
+                </a:solidFill>
+              </a:rPr>
+              <a:t>. </a:t>
+            </a:r>
+            <a:r>
+              <a:rPr lang="pt-BR" dirty="0" smtClean="0">
+                <a:solidFill>
+                  <a:schemeClr val="bg1">
+                    <a:lumMod val="50000"/>
+                  </a:schemeClr>
+                </a:solidFill>
+              </a:rPr>
+              <a:t>Ed. Campus 2009.</a:t>
+            </a:r>
+            <a:endParaRPr lang="pt-BR" dirty="0">
+              <a:solidFill>
+                <a:schemeClr val="bg1">
+                  <a:lumMod val="50000"/>
+                </a:schemeClr>
+              </a:solidFill>
+            </a:endParaRPr>
+          </a:p>
+        </p:txBody>
+      </p:sp>
+      <p:sp>
+        <p:nvSpPr>
+          <p:cNvPr id="10" name="Retângulo 9"/>
+          <p:cNvSpPr/>
+          <p:nvPr/>
+        </p:nvSpPr>
+        <p:spPr>
+          <a:xfrm>
+            <a:off x="368983" y="1988840"/>
+            <a:ext cx="11413268" cy="369332"/>
+          </a:xfrm>
+          <a:prstGeom prst="rect">
+            <a:avLst/>
+          </a:prstGeom>
+        </p:spPr>
+        <p:txBody>
+          <a:bodyPr wrap="square">
+            <a:spAutoFit/>
+          </a:bodyPr>
+          <a:lstStyle/>
+          <a:p>
+            <a:r>
+              <a:rPr lang="pt-BR" dirty="0" smtClean="0">
+                <a:solidFill>
+                  <a:schemeClr val="bg1">
+                    <a:lumMod val="50000"/>
+                  </a:schemeClr>
+                </a:solidFill>
+              </a:rPr>
+              <a:t>DASGUPTA, </a:t>
+            </a:r>
+            <a:r>
+              <a:rPr lang="pt-BR" dirty="0" err="1" smtClean="0">
+                <a:solidFill>
+                  <a:schemeClr val="bg1">
+                    <a:lumMod val="50000"/>
+                  </a:schemeClr>
+                </a:solidFill>
+              </a:rPr>
+              <a:t>Sanjoy</a:t>
+            </a:r>
+            <a:r>
+              <a:rPr lang="pt-BR" i="1" dirty="0" smtClean="0">
+                <a:solidFill>
+                  <a:schemeClr val="bg1">
+                    <a:lumMod val="50000"/>
+                  </a:schemeClr>
+                </a:solidFill>
+              </a:rPr>
+              <a:t>. </a:t>
+            </a:r>
+            <a:r>
+              <a:rPr lang="pt-BR" i="1" dirty="0" err="1" smtClean="0">
+                <a:solidFill>
+                  <a:schemeClr val="bg1">
+                    <a:lumMod val="50000"/>
+                  </a:schemeClr>
+                </a:solidFill>
+              </a:rPr>
+              <a:t>Et</a:t>
+            </a:r>
+            <a:r>
+              <a:rPr lang="pt-BR" i="1" dirty="0" smtClean="0">
+                <a:solidFill>
+                  <a:schemeClr val="bg1">
+                    <a:lumMod val="50000"/>
+                  </a:schemeClr>
+                </a:solidFill>
+              </a:rPr>
+              <a:t> </a:t>
+            </a:r>
+            <a:r>
+              <a:rPr lang="pt-BR" i="1" dirty="0" err="1" smtClean="0">
+                <a:solidFill>
+                  <a:schemeClr val="bg1">
+                    <a:lumMod val="50000"/>
+                  </a:schemeClr>
+                </a:solidFill>
+              </a:rPr>
+              <a:t>alli</a:t>
+            </a:r>
+            <a:r>
+              <a:rPr lang="pt-BR" i="1" dirty="0" smtClean="0">
+                <a:solidFill>
+                  <a:schemeClr val="bg1">
+                    <a:lumMod val="50000"/>
+                  </a:schemeClr>
+                </a:solidFill>
+              </a:rPr>
+              <a:t>  </a:t>
+            </a:r>
+            <a:r>
+              <a:rPr lang="pt-BR" b="1" u="sng" dirty="0" smtClean="0">
+                <a:solidFill>
+                  <a:schemeClr val="tx2">
+                    <a:lumMod val="75000"/>
+                  </a:schemeClr>
+                </a:solidFill>
+              </a:rPr>
+              <a:t>ALGORITHIMIS</a:t>
+            </a:r>
+            <a:r>
+              <a:rPr lang="pt-BR" dirty="0" smtClean="0">
+                <a:solidFill>
+                  <a:schemeClr val="bg1">
+                    <a:lumMod val="50000"/>
+                  </a:schemeClr>
+                </a:solidFill>
+              </a:rPr>
+              <a:t>;  Mc </a:t>
+            </a:r>
+            <a:r>
+              <a:rPr lang="pt-BR" dirty="0" err="1" smtClean="0">
+                <a:solidFill>
+                  <a:schemeClr val="bg1">
+                    <a:lumMod val="50000"/>
+                  </a:schemeClr>
+                </a:solidFill>
+              </a:rPr>
+              <a:t>Graw</a:t>
+            </a:r>
+            <a:r>
+              <a:rPr lang="pt-BR" dirty="0" smtClean="0">
+                <a:solidFill>
+                  <a:schemeClr val="bg1">
+                    <a:lumMod val="50000"/>
+                  </a:schemeClr>
+                </a:solidFill>
+              </a:rPr>
+              <a:t> Hill 2009.</a:t>
+            </a:r>
+            <a:endParaRPr lang="pt-BR" dirty="0">
+              <a:solidFill>
+                <a:schemeClr val="bg1">
+                  <a:lumMod val="50000"/>
+                </a:schemeClr>
+              </a:solidFill>
+            </a:endParaRPr>
+          </a:p>
+        </p:txBody>
+      </p:sp>
+      <p:sp>
+        <p:nvSpPr>
+          <p:cNvPr id="11" name="Retângulo 10"/>
+          <p:cNvSpPr/>
+          <p:nvPr/>
+        </p:nvSpPr>
+        <p:spPr>
+          <a:xfrm>
+            <a:off x="368983" y="4068071"/>
+            <a:ext cx="11413268" cy="369332"/>
+          </a:xfrm>
+          <a:prstGeom prst="rect">
+            <a:avLst/>
+          </a:prstGeom>
+        </p:spPr>
+        <p:txBody>
+          <a:bodyPr wrap="square">
+            <a:spAutoFit/>
+          </a:bodyPr>
+          <a:lstStyle/>
+          <a:p>
+            <a:r>
+              <a:rPr lang="pt-BR" dirty="0" smtClean="0">
+                <a:solidFill>
+                  <a:schemeClr val="bg1">
+                    <a:lumMod val="50000"/>
+                  </a:schemeClr>
+                </a:solidFill>
+              </a:rPr>
+              <a:t>COLIN, Emerson Carlos</a:t>
+            </a:r>
+            <a:r>
+              <a:rPr lang="pt-BR" i="1" dirty="0" smtClean="0">
+                <a:solidFill>
+                  <a:schemeClr val="bg1">
+                    <a:lumMod val="50000"/>
+                  </a:schemeClr>
+                </a:solidFill>
+              </a:rPr>
+              <a:t>. </a:t>
+            </a:r>
+            <a:r>
+              <a:rPr lang="pt-BR" b="1" u="sng" dirty="0" smtClean="0">
+                <a:solidFill>
+                  <a:schemeClr val="tx2">
+                    <a:lumMod val="75000"/>
+                  </a:schemeClr>
+                </a:solidFill>
+              </a:rPr>
+              <a:t>PESQUISA OPERACIONAL </a:t>
+            </a:r>
+            <a:r>
+              <a:rPr lang="pt-BR" b="1" u="sng" dirty="0" smtClean="0">
+                <a:solidFill>
+                  <a:schemeClr val="tx2">
+                    <a:lumMod val="75000"/>
+                  </a:schemeClr>
+                </a:solidFill>
+              </a:rPr>
+              <a:t>- 170 Aplicações Em Estratégia, Finanças, Logística, </a:t>
+            </a:r>
+            <a:r>
+              <a:rPr lang="pt-BR" dirty="0" smtClean="0">
+                <a:solidFill>
+                  <a:schemeClr val="bg1">
+                    <a:lumMod val="50000"/>
+                  </a:schemeClr>
+                </a:solidFill>
+              </a:rPr>
+              <a:t>  4.ed</a:t>
+            </a:r>
+            <a:r>
+              <a:rPr lang="pt-BR" dirty="0" smtClean="0">
+                <a:solidFill>
+                  <a:schemeClr val="bg1">
+                    <a:lumMod val="50000"/>
+                  </a:schemeClr>
+                </a:solidFill>
+              </a:rPr>
+              <a:t>. </a:t>
+            </a:r>
+            <a:r>
+              <a:rPr lang="pt-BR" dirty="0" smtClean="0">
+                <a:solidFill>
+                  <a:schemeClr val="bg1">
+                    <a:lumMod val="50000"/>
+                  </a:schemeClr>
+                </a:solidFill>
+              </a:rPr>
+              <a:t>LTC 2007.</a:t>
+            </a:r>
+            <a:endParaRPr lang="pt-BR" dirty="0">
+              <a:solidFill>
+                <a:schemeClr val="bg1">
+                  <a:lumMod val="50000"/>
+                </a:schemeClr>
+              </a:solidFill>
+            </a:endParaRPr>
+          </a:p>
+        </p:txBody>
+      </p:sp>
+      <p:sp>
+        <p:nvSpPr>
+          <p:cNvPr id="12" name="Retângulo 11"/>
+          <p:cNvSpPr/>
+          <p:nvPr/>
+        </p:nvSpPr>
+        <p:spPr>
+          <a:xfrm>
+            <a:off x="368983" y="4761148"/>
+            <a:ext cx="11413268" cy="369332"/>
+          </a:xfrm>
+          <a:prstGeom prst="rect">
+            <a:avLst/>
+          </a:prstGeom>
+        </p:spPr>
+        <p:txBody>
+          <a:bodyPr wrap="square">
+            <a:spAutoFit/>
+          </a:bodyPr>
+          <a:lstStyle/>
+          <a:p>
+            <a:r>
+              <a:rPr lang="pt-BR" dirty="0" smtClean="0">
+                <a:solidFill>
+                  <a:schemeClr val="bg1">
+                    <a:lumMod val="50000"/>
+                  </a:schemeClr>
+                </a:solidFill>
+              </a:rPr>
+              <a:t>MOREIRA, Daniel </a:t>
+            </a:r>
+            <a:r>
+              <a:rPr lang="pt-BR" i="1" dirty="0" smtClean="0">
+                <a:solidFill>
+                  <a:schemeClr val="bg1">
+                    <a:lumMod val="50000"/>
+                  </a:schemeClr>
+                </a:solidFill>
+              </a:rPr>
+              <a:t>. </a:t>
+            </a:r>
+            <a:r>
+              <a:rPr lang="pt-BR" b="1" u="sng" dirty="0" smtClean="0">
+                <a:solidFill>
+                  <a:schemeClr val="tx2">
+                    <a:lumMod val="75000"/>
+                  </a:schemeClr>
+                </a:solidFill>
+              </a:rPr>
+              <a:t>ADMINISTRAÇÃO DA PRODUÇÃO E OPERAÇÕES</a:t>
+            </a:r>
+            <a:r>
+              <a:rPr lang="pt-BR" b="1" u="sng" dirty="0" smtClean="0">
+                <a:solidFill>
+                  <a:schemeClr val="tx2">
+                    <a:lumMod val="75000"/>
+                  </a:schemeClr>
+                </a:solidFill>
+              </a:rPr>
+              <a:t> </a:t>
+            </a:r>
+            <a:r>
+              <a:rPr lang="pt-BR" b="1" u="sng" dirty="0" smtClean="0">
+                <a:solidFill>
+                  <a:schemeClr val="tx2">
+                    <a:lumMod val="75000"/>
+                  </a:schemeClr>
+                </a:solidFill>
+              </a:rPr>
+              <a:t> </a:t>
+            </a:r>
+            <a:r>
+              <a:rPr lang="pt-BR" dirty="0" smtClean="0">
+                <a:solidFill>
+                  <a:schemeClr val="bg1">
+                    <a:lumMod val="50000"/>
+                  </a:schemeClr>
+                </a:solidFill>
+              </a:rPr>
+              <a:t>. CENAGE LEARNING 2010.</a:t>
+            </a:r>
+            <a:endParaRPr lang="pt-BR" dirty="0">
+              <a:solidFill>
+                <a:schemeClr val="bg1">
+                  <a:lumMod val="50000"/>
+                </a:schemeClr>
+              </a:solidFill>
+            </a:endParaRPr>
+          </a:p>
+        </p:txBody>
+      </p:sp>
     </p:spTree>
     <p:extLst>
       <p:ext uri="{BB962C8B-B14F-4D97-AF65-F5344CB8AC3E}">
@@ -37166,7 +37903,7 @@
         <p:spPr>
           <a:xfrm>
             <a:off x="368983" y="1859340"/>
-            <a:ext cx="11701300" cy="3539430"/>
+            <a:ext cx="11701300" cy="3108543"/>
           </a:xfrm>
           <a:prstGeom prst="rect">
             <a:avLst/>
@@ -37233,10 +37970,10 @@
                 </a:gradFill>
                 <a:latin typeface="Segoe UI Light" pitchFamily="34" charset="0"/>
               </a:rPr>
-              <a:t>uma implementação do algoritmo Simplex do Livro do </a:t>
+              <a:t>uma implementação do algoritmo </a:t>
             </a:r>
             <a:r>
-              <a:rPr lang="pt-BR" sz="2800" dirty="0" err="1">
+              <a:rPr lang="pt-BR" sz="2800" dirty="0" smtClean="0">
                 <a:gradFill>
                   <a:gsLst>
                     <a:gs pos="0">
@@ -37256,7 +37993,7 @@
                 </a:gradFill>
                 <a:latin typeface="Segoe UI Light" pitchFamily="34" charset="0"/>
               </a:rPr>
-              <a:t>Papadimitriu</a:t>
+              <a:t>Simplex como </a:t>
             </a:r>
             <a:r>
               <a:rPr lang="pt-BR" sz="2800" dirty="0">
@@ -37279,8 +38016,51 @@
                 </a:gradFill>
                 <a:latin typeface="Segoe UI Light" pitchFamily="34" charset="0"/>
               </a:rPr>
-              <a:t>, como exemplo de programação Linear  </a:t>
+              <a:t>exemplo de programação </a:t>
             </a:r>
+            <a:r>
+              <a:rPr lang="pt-BR" sz="2800" dirty="0" smtClean="0">
+                <a:gradFill>
+                  <a:gsLst>
+                    <a:gs pos="0">
+                      <a:schemeClr val="tx1">
+                        <a:lumMod val="75000"/>
+                        <a:lumOff val="25000"/>
+                      </a:schemeClr>
+                    </a:gs>
+                    <a:gs pos="80000">
+                      <a:schemeClr val="tx1">
+                        <a:lumMod val="65000"/>
+                        <a:lumOff val="35000"/>
+                      </a:schemeClr>
+                    </a:gs>
+                  </a:gsLst>
+                  <a:lin ang="16200000" scaled="0"/>
+                </a:gradFill>
+                <a:latin typeface="Segoe UI Light" pitchFamily="34" charset="0"/>
+              </a:rPr>
+              <a:t>linear  </a:t>
+            </a:r>
+            <a:endParaRPr lang="pt-BR" sz="2800" dirty="0">
+              <a:gradFill>
+                <a:gsLst>
+                  <a:gs pos="0">
+                    <a:schemeClr val="tx1">
+                      <a:lumMod val="75000"/>
+                      <a:lumOff val="25000"/>
+                    </a:schemeClr>
+                  </a:gs>
+                  <a:gs pos="80000">
+                    <a:schemeClr val="tx1">
+                      <a:lumMod val="65000"/>
+                      <a:lumOff val="35000"/>
+                    </a:schemeClr>
+                  </a:gs>
+                </a:gsLst>
+                <a:lin ang="16200000" scaled="0"/>
+              </a:gradFill>
+              <a:latin typeface="Segoe UI Light" pitchFamily="34" charset="0"/>
+            </a:endParaRPr>
           </a:p>
           <a:p>
             <a:endParaRPr lang="pt-BR" sz="2800" dirty="0">
@@ -37337,10 +38117,10 @@
                 </a:gradFill>
                 <a:latin typeface="Segoe UI Light" pitchFamily="34" charset="0"/>
               </a:rPr>
-              <a:t>Seminário sobre introdução ao PL + Simplex; Atualização da </a:t>
+              <a:t>Seminário sobre introdução ao PL + Simplex; </a:t>
             </a:r>
             <a:r>
-              <a:rPr lang="pt-BR" sz="2800" dirty="0" err="1">
+              <a:rPr lang="pt-BR" sz="2800" dirty="0" smtClean="0">
                 <a:gradFill>
                   <a:gsLst>
                     <a:gs pos="0">
@@ -37360,7 +38140,7 @@
                 </a:gradFill>
                 <a:latin typeface="Segoe UI Light" pitchFamily="34" charset="0"/>
               </a:rPr>
-              <a:t>Wikipedia</a:t>
+              <a:t>atualização </a:t>
             </a:r>
             <a:r>
               <a:rPr lang="pt-BR" sz="2800" dirty="0">
@@ -37383,42 +38163,30 @@
                 </a:gradFill>
                 <a:latin typeface="Segoe UI Light" pitchFamily="34" charset="0"/>
               </a:rPr>
-              <a:t> Brasil, e Implementação do Código</a:t>
+              <a:t>da </a:t>
             </a:r>
-          </a:p>
-          <a:p>
-            <a:endParaRPr lang="pt-BR" sz="2800" dirty="0">
-              <a:gradFill>
-                <a:gsLst>
-                  <a:gs pos="0">
-                    <a:schemeClr val="tx1">
-                      <a:lumMod val="75000"/>
-                      <a:lumOff val="25000"/>
-                    </a:schemeClr>
-                  </a:gs>
-                  <a:gs pos="80000">
-                    <a:schemeClr val="tx1">
-                      <a:lumMod val="65000"/>
-                      <a:lumOff val="35000"/>
-                    </a:schemeClr>
-                  </a:gs>
-                </a:gsLst>
-                <a:lin ang="16200000" scaled="0"/>
-              </a:gradFill>
-              <a:latin typeface="Segoe UI Light" pitchFamily="34" charset="0"/>
-            </a:endParaRPr>
-          </a:p>
-          <a:p>
             <a:r>
-              <a:rPr lang="pt-BR" sz="2800" b="1" dirty="0">
-                <a:solidFill>
-                  <a:schemeClr val="accent1">
-                    <a:lumMod val="75000"/>
-                  </a:schemeClr>
-                </a:solidFill>
+              <a:rPr lang="pt-BR" sz="2800" dirty="0" smtClean="0">
+                <a:gradFill>
+                  <a:gsLst>
+                    <a:gs pos="0">
+                      <a:schemeClr val="tx1">
+                        <a:lumMod val="75000"/>
+                        <a:lumOff val="25000"/>
+                      </a:schemeClr>
+                    </a:gs>
+                    <a:gs pos="80000">
+                      <a:schemeClr val="tx1">
+                        <a:lumMod val="65000"/>
+                        <a:lumOff val="35000"/>
+                      </a:schemeClr>
+                    </a:gs>
+                  </a:gsLst>
+                  <a:lin ang="16200000" scaled="0"/>
+                </a:gradFill>
                 <a:latin typeface="Segoe UI Light" pitchFamily="34" charset="0"/>
               </a:rPr>
-              <a:t>Limitações do Estudo: </a:t>
+              <a:t>Wikipédia </a:t>
             </a:r>
             <a:r>
               <a:rPr lang="pt-BR" sz="2800" dirty="0">
@@ -37441,7 +38209,7 @@
                 </a:gradFill>
                 <a:latin typeface="Segoe UI Light" pitchFamily="34" charset="0"/>
               </a:rPr>
-              <a:t>O Presente estudo não objetiva realiza estudos mais profundos em programação linear, como exemplo: degeneração de  </a:t>
+              <a:t>e </a:t>
             </a:r>
             <a:r>
               <a:rPr lang="pt-BR" sz="2800" dirty="0" smtClean="0">
@@ -37464,7 +38232,177 @@
                 </a:gradFill>
                 <a:latin typeface="Segoe UI Light" pitchFamily="34" charset="0"/>
               </a:rPr>
-              <a:t>vértices.</a:t>
+              <a:t>implementação em linguagem </a:t>
+            </a:r>
+            <a:r>
+              <a:rPr lang="pt-BR" sz="2800" dirty="0" err="1" smtClean="0">
+                <a:gradFill>
+                  <a:gsLst>
+                    <a:gs pos="0">
+                      <a:schemeClr val="tx1">
+                        <a:lumMod val="75000"/>
+                        <a:lumOff val="25000"/>
+                      </a:schemeClr>
+                    </a:gs>
+                    <a:gs pos="80000">
+                      <a:schemeClr val="tx1">
+                        <a:lumMod val="65000"/>
+                        <a:lumOff val="35000"/>
+                      </a:schemeClr>
+                    </a:gs>
+                  </a:gsLst>
+                  <a:lin ang="16200000" scaled="0"/>
+                </a:gradFill>
+                <a:latin typeface="Segoe UI Light" pitchFamily="34" charset="0"/>
+              </a:rPr>
+              <a:t>Python</a:t>
+            </a:r>
+            <a:endParaRPr lang="pt-BR" sz="2800" dirty="0">
+              <a:gradFill>
+                <a:gsLst>
+                  <a:gs pos="0">
+                    <a:schemeClr val="tx1">
+                      <a:lumMod val="75000"/>
+                      <a:lumOff val="25000"/>
+                    </a:schemeClr>
+                  </a:gs>
+                  <a:gs pos="80000">
+                    <a:schemeClr val="tx1">
+                      <a:lumMod val="65000"/>
+                      <a:lumOff val="35000"/>
+                    </a:schemeClr>
+                  </a:gs>
+                </a:gsLst>
+                <a:lin ang="16200000" scaled="0"/>
+              </a:gradFill>
+              <a:latin typeface="Segoe UI Light" pitchFamily="34" charset="0"/>
+            </a:endParaRPr>
+          </a:p>
+          <a:p>
+            <a:endParaRPr lang="pt-BR" sz="2800" dirty="0">
+              <a:gradFill>
+                <a:gsLst>
+                  <a:gs pos="0">
+                    <a:schemeClr val="tx1">
+                      <a:lumMod val="75000"/>
+                      <a:lumOff val="25000"/>
+                    </a:schemeClr>
+                  </a:gs>
+                  <a:gs pos="80000">
+                    <a:schemeClr val="tx1">
+                      <a:lumMod val="65000"/>
+                      <a:lumOff val="35000"/>
+                    </a:schemeClr>
+                  </a:gs>
+                </a:gsLst>
+                <a:lin ang="16200000" scaled="0"/>
+              </a:gradFill>
+              <a:latin typeface="Segoe UI Light" pitchFamily="34" charset="0"/>
+            </a:endParaRPr>
+          </a:p>
+          <a:p>
+            <a:r>
+              <a:rPr lang="pt-BR" sz="2800" b="1" dirty="0">
+                <a:solidFill>
+                  <a:schemeClr val="accent1">
+                    <a:lumMod val="75000"/>
+                  </a:schemeClr>
+                </a:solidFill>
+                <a:latin typeface="Segoe UI Light" pitchFamily="34" charset="0"/>
+              </a:rPr>
+              <a:t>Limitações do Estudo: </a:t>
+            </a:r>
+            <a:r>
+              <a:rPr lang="pt-BR" sz="2800" dirty="0" smtClean="0">
+                <a:gradFill>
+                  <a:gsLst>
+                    <a:gs pos="0">
+                      <a:schemeClr val="tx1">
+                        <a:lumMod val="75000"/>
+                        <a:lumOff val="25000"/>
+                      </a:schemeClr>
+                    </a:gs>
+                    <a:gs pos="80000">
+                      <a:schemeClr val="tx1">
+                        <a:lumMod val="65000"/>
+                        <a:lumOff val="35000"/>
+                      </a:schemeClr>
+                    </a:gs>
+                  </a:gsLst>
+                  <a:lin ang="16200000" scaled="0"/>
+                </a:gradFill>
+                <a:latin typeface="Segoe UI Light" pitchFamily="34" charset="0"/>
+              </a:rPr>
+              <a:t>não será abordada a degeneração </a:t>
+            </a:r>
+            <a:r>
+              <a:rPr lang="pt-BR" sz="2800" dirty="0">
+                <a:gradFill>
+                  <a:gsLst>
+                    <a:gs pos="0">
+                      <a:schemeClr val="tx1">
+                        <a:lumMod val="75000"/>
+                        <a:lumOff val="25000"/>
+                      </a:schemeClr>
+                    </a:gs>
+                    <a:gs pos="80000">
+                      <a:schemeClr val="tx1">
+                        <a:lumMod val="65000"/>
+                        <a:lumOff val="35000"/>
+                      </a:schemeClr>
+                    </a:gs>
+                  </a:gsLst>
+                  <a:lin ang="16200000" scaled="0"/>
+                </a:gradFill>
+                <a:latin typeface="Segoe UI Light" pitchFamily="34" charset="0"/>
+              </a:rPr>
+              <a:t>de </a:t>
+            </a:r>
+            <a:r>
+              <a:rPr lang="pt-BR" sz="2800" dirty="0" smtClean="0">
+                <a:gradFill>
+                  <a:gsLst>
+                    <a:gs pos="0">
+                      <a:schemeClr val="tx1">
+                        <a:lumMod val="75000"/>
+                        <a:lumOff val="25000"/>
+                      </a:schemeClr>
+                    </a:gs>
+                    <a:gs pos="80000">
+                      <a:schemeClr val="tx1">
+                        <a:lumMod val="65000"/>
+                        <a:lumOff val="35000"/>
+                      </a:schemeClr>
+                    </a:gs>
+                  </a:gsLst>
+                  <a:lin ang="16200000" scaled="0"/>
+                </a:gradFill>
+                <a:latin typeface="Segoe UI Light" pitchFamily="34" charset="0"/>
+              </a:rPr>
+              <a:t>vértices</a:t>
+            </a:r>
+            <a:r>
+              <a:rPr lang="pt-BR" sz="2800" dirty="0" smtClean="0">
+                <a:gradFill>
+                  <a:gsLst>
+                    <a:gs pos="0">
+                      <a:schemeClr val="tx1">
+                        <a:lumMod val="75000"/>
+                        <a:lumOff val="25000"/>
+                      </a:schemeClr>
+                    </a:gs>
+                    <a:gs pos="80000">
+                      <a:schemeClr val="tx1">
+                        <a:lumMod val="65000"/>
+                        <a:lumOff val="35000"/>
+                      </a:schemeClr>
+                    </a:gs>
+                  </a:gsLst>
+                  <a:lin ang="16200000" scaled="0"/>
+                </a:gradFill>
+                <a:latin typeface="Segoe UI Light" pitchFamily="34" charset="0"/>
+              </a:rPr>
+              <a:t>.</a:t>
             </a:r>
             <a:endParaRPr lang="pt-BR" sz="2800" dirty="0">
               <a:gradFill>
@@ -37595,7 +38533,7 @@
                 <a:ea typeface="Segoe UI" pitchFamily="34" charset="0"/>
                 <a:cs typeface="Segoe UI" pitchFamily="34" charset="0"/>
               </a:rPr>
-              <a:t>Algorítimo</a:t>
+              <a:t>Algoritmo</a:t>
             </a:r>
             <a:r>
               <a:rPr lang="en-US" sz="2000" spc="-70" dirty="0" smtClean="0">
@@ -37605,7 +38543,17 @@
                 <a:ea typeface="Segoe UI" pitchFamily="34" charset="0"/>
                 <a:cs typeface="Segoe UI" pitchFamily="34" charset="0"/>
               </a:rPr>
-              <a:t> Simplex</a:t>
+              <a:t> </a:t>
+            </a:r>
+            <a:r>
+              <a:rPr lang="en-US" sz="2000" spc="-70" dirty="0" smtClean="0">
+                <a:solidFill>
+                  <a:schemeClr val="bg1"/>
+                </a:solidFill>
+                <a:ea typeface="Segoe UI" pitchFamily="34" charset="0"/>
+                <a:cs typeface="Segoe UI" pitchFamily="34" charset="0"/>
+              </a:rPr>
+              <a:t>Simplex</a:t>
             </a:r>
             <a:endParaRPr lang="en-US" sz="2000" spc="-70" dirty="0">
               <a:solidFill>
@@ -38263,367 +39211,253 @@
           </a:bodyPr>
           <a:lstStyle/>
           <a:p>
-            <a:pPr marL="0" indent="0">
-              <a:buNone/>
+            <a:pPr>
+              <a:tabLst>
+                <a:tab pos="723900" algn="l"/>
+                <a:tab pos="1447800" algn="l"/>
+                <a:tab pos="2171700" algn="l"/>
+                <a:tab pos="2895600" algn="l"/>
+                <a:tab pos="3619500" algn="l"/>
+                <a:tab pos="4343400" algn="l"/>
+                <a:tab pos="5067300" algn="l"/>
+                <a:tab pos="5791200" algn="l"/>
+                <a:tab pos="6515100" algn="l"/>
+                <a:tab pos="7239000" algn="l"/>
+                <a:tab pos="7962900" algn="l"/>
+                <a:tab pos="8686800" algn="l"/>
+                <a:tab pos="9410700" algn="l"/>
+                <a:tab pos="10134600" algn="l"/>
+                <a:tab pos="10858500" algn="l"/>
+              </a:tabLst>
             </a:pPr>
             <a:r>
               <a:rPr lang="pt-BR" sz="2800" dirty="0" smtClean="0">
-                <a:gradFill>
-                  <a:gsLst>
-                    <a:gs pos="0">
-                      <a:schemeClr val="tx1">
-                        <a:lumMod val="75000"/>
-                        <a:lumOff val="25000"/>
-                      </a:schemeClr>
-                    </a:gs>
-                    <a:gs pos="80000">
-                      <a:schemeClr val="tx1">
-                        <a:lumMod val="65000"/>
-                        <a:lumOff val="35000"/>
-                      </a:schemeClr>
-                    </a:gs>
-                  </a:gsLst>
-                  <a:lin ang="16200000" scaled="0"/>
-                </a:gradFill>
-                <a:latin typeface="Segoe UI Light" pitchFamily="34" charset="0"/>
+                <a:solidFill>
+                  <a:srgbClr val="000000"/>
+                </a:solidFill>
+                <a:latin typeface="Segoe UI Light" pitchFamily="32" charset="0"/>
               </a:rPr>
-              <a:t>Programação Linear é a área que destina-se  a descrever tarefas de otimização como equações lineares (</a:t>
+              <a:t>Programação Linear é a área que destina-se a descrever tarefas de otimização como equações lineares (</a:t>
             </a:r>
             <a:r>
               <a:rPr lang="pt-BR" sz="2800" dirty="0" err="1" smtClean="0">
-                <a:gradFill>
-                  <a:gsLst>
-                    <a:gs pos="0">
-                      <a:schemeClr val="tx1">
-                        <a:lumMod val="75000"/>
-                        <a:lumOff val="25000"/>
-                      </a:schemeClr>
-                    </a:gs>
-                    <a:gs pos="80000">
-                      <a:schemeClr val="tx1">
-                        <a:lumMod val="65000"/>
-                        <a:lumOff val="35000"/>
-                      </a:schemeClr>
-                    </a:gs>
-                  </a:gsLst>
-                  <a:lin ang="16200000" scaled="0"/>
-                </a:gradFill>
-                <a:latin typeface="Segoe UI Light" pitchFamily="34" charset="0"/>
+                <a:solidFill>
+                  <a:srgbClr val="000000"/>
+                </a:solidFill>
+                <a:latin typeface="Segoe UI Light" pitchFamily="32" charset="0"/>
               </a:rPr>
               <a:t>Dasgupta</a:t>
             </a:r>
             <a:r>
               <a:rPr lang="pt-BR" sz="2800" dirty="0" smtClean="0">
-                <a:gradFill>
-                  <a:gsLst>
-                    <a:gs pos="0">
-                      <a:schemeClr val="tx1">
-                        <a:lumMod val="75000"/>
-                        <a:lumOff val="25000"/>
-                      </a:schemeClr>
-                    </a:gs>
-                    <a:gs pos="80000">
-                      <a:schemeClr val="tx1">
-                        <a:lumMod val="65000"/>
-                        <a:lumOff val="35000"/>
-                      </a:schemeClr>
-                    </a:gs>
-                  </a:gsLst>
-                  <a:lin ang="16200000" scaled="0"/>
-                </a:gradFill>
-                <a:latin typeface="Segoe UI Light" pitchFamily="34" charset="0"/>
+                <a:solidFill>
+                  <a:srgbClr val="000000"/>
+                </a:solidFill>
+                <a:latin typeface="Segoe UI Light" pitchFamily="32" charset="0"/>
               </a:rPr>
               <a:t>,</a:t>
             </a:r>
             <a:r>
               <a:rPr lang="pt-BR" sz="2800" dirty="0" err="1" smtClean="0">
-                <a:gradFill>
-                  <a:gsLst>
-                    <a:gs pos="0">
-                      <a:schemeClr val="tx1">
-                        <a:lumMod val="75000"/>
-                        <a:lumOff val="25000"/>
-                      </a:schemeClr>
-                    </a:gs>
-                    <a:gs pos="80000">
-                      <a:schemeClr val="tx1">
-                        <a:lumMod val="65000"/>
-                        <a:lumOff val="35000"/>
-                      </a:schemeClr>
-                    </a:gs>
-                  </a:gsLst>
-                  <a:lin ang="16200000" scaled="0"/>
-                </a:gradFill>
-                <a:latin typeface="Segoe UI Light" pitchFamily="34" charset="0"/>
+                <a:solidFill>
+                  <a:srgbClr val="000000"/>
+                </a:solidFill>
+                <a:latin typeface="Segoe UI Light" pitchFamily="32" charset="0"/>
               </a:rPr>
               <a:t>Papadimitriou</a:t>
             </a:r>
             <a:r>
               <a:rPr lang="pt-BR" sz="2800" dirty="0" smtClean="0">
-                <a:gradFill>
-                  <a:gsLst>
-                    <a:gs pos="0">
-                      <a:schemeClr val="tx1">
-                        <a:lumMod val="75000"/>
-                        <a:lumOff val="25000"/>
-                      </a:schemeClr>
-                    </a:gs>
-                    <a:gs pos="80000">
-                      <a:schemeClr val="tx1">
-                        <a:lumMod val="65000"/>
-                        <a:lumOff val="35000"/>
-                      </a:schemeClr>
-                    </a:gs>
-                  </a:gsLst>
-                  <a:lin ang="16200000" scaled="0"/>
-                </a:gradFill>
-                <a:latin typeface="Segoe UI Light" pitchFamily="34" charset="0"/>
+                <a:solidFill>
+                  <a:srgbClr val="000000"/>
+                </a:solidFill>
+                <a:latin typeface="Segoe UI Light" pitchFamily="32" charset="0"/>
               </a:rPr>
               <a:t> &amp; </a:t>
             </a:r>
             <a:r>
               <a:rPr lang="pt-BR" sz="2800" dirty="0" err="1" smtClean="0">
-                <a:gradFill>
-                  <a:gsLst>
-                    <a:gs pos="0">
-                      <a:schemeClr val="tx1">
-                        <a:lumMod val="75000"/>
-                        <a:lumOff val="25000"/>
-                      </a:schemeClr>
-                    </a:gs>
-                    <a:gs pos="80000">
-                      <a:schemeClr val="tx1">
-                        <a:lumMod val="65000"/>
-                        <a:lumOff val="35000"/>
-                      </a:schemeClr>
-                    </a:gs>
-                  </a:gsLst>
-                  <a:lin ang="16200000" scaled="0"/>
-                </a:gradFill>
-                <a:latin typeface="Segoe UI Light" pitchFamily="34" charset="0"/>
+                <a:solidFill>
+                  <a:srgbClr val="000000"/>
+                </a:solidFill>
+                <a:latin typeface="Segoe UI Light" pitchFamily="32" charset="0"/>
               </a:rPr>
               <a:t>Varzirani</a:t>
             </a:r>
             <a:r>
               <a:rPr lang="pt-BR" sz="2800" dirty="0" smtClean="0">
-                <a:gradFill>
-                  <a:gsLst>
-                    <a:gs pos="0">
-                      <a:schemeClr val="tx1">
-                        <a:lumMod val="75000"/>
-                        <a:lumOff val="25000"/>
-                      </a:schemeClr>
-                    </a:gs>
-                    <a:gs pos="80000">
-                      <a:schemeClr val="tx1">
-                        <a:lumMod val="65000"/>
-                        <a:lumOff val="35000"/>
-                      </a:schemeClr>
-                    </a:gs>
-                  </a:gsLst>
-                  <a:lin ang="16200000" scaled="0"/>
-                </a:gradFill>
-                <a:latin typeface="Segoe UI Light" pitchFamily="34" charset="0"/>
+                <a:solidFill>
+                  <a:srgbClr val="000000"/>
+                </a:solidFill>
+                <a:latin typeface="Segoe UI Light" pitchFamily="32" charset="0"/>
               </a:rPr>
-              <a:t>, 2009(pág188 português)</a:t>
+              <a:t>, 2009 (</a:t>
             </a:r>
-          </a:p>
-          <a:p>
-            <a:pPr marL="0" indent="0">
-              <a:buNone/>
+            <a:r>
+              <a:rPr lang="pt-BR" sz="2800" dirty="0" err="1" smtClean="0">
+                <a:solidFill>
+                  <a:srgbClr val="000000"/>
+                </a:solidFill>
+                <a:latin typeface="Segoe UI Light" pitchFamily="32" charset="0"/>
+              </a:rPr>
+              <a:t>pág</a:t>
+            </a:r>
+            <a:r>
+              <a:rPr lang="pt-BR" sz="2800" dirty="0" smtClean="0">
+                <a:solidFill>
+                  <a:srgbClr val="000000"/>
+                </a:solidFill>
+                <a:latin typeface="Segoe UI Light" pitchFamily="32" charset="0"/>
+              </a:rPr>
+              <a:t> 188 português)</a:t>
+            </a:r>
+          </a:p>
+          <a:p>
+            <a:pPr>
+              <a:tabLst>
+                <a:tab pos="723900" algn="l"/>
+                <a:tab pos="1447800" algn="l"/>
+                <a:tab pos="2171700" algn="l"/>
+                <a:tab pos="2895600" algn="l"/>
+                <a:tab pos="3619500" algn="l"/>
+                <a:tab pos="4343400" algn="l"/>
+                <a:tab pos="5067300" algn="l"/>
+                <a:tab pos="5791200" algn="l"/>
+                <a:tab pos="6515100" algn="l"/>
+                <a:tab pos="7239000" algn="l"/>
+                <a:tab pos="7962900" algn="l"/>
+                <a:tab pos="8686800" algn="l"/>
+                <a:tab pos="9410700" algn="l"/>
+                <a:tab pos="10134600" algn="l"/>
+                <a:tab pos="10858500" algn="l"/>
+              </a:tabLst>
             </a:pPr>
             <a:endParaRPr lang="pt-BR" sz="2800" dirty="0" smtClean="0">
-              <a:gradFill>
-                <a:gsLst>
-                  <a:gs pos="0">
-                    <a:schemeClr val="tx1">
-                      <a:lumMod val="75000"/>
-                      <a:lumOff val="25000"/>
-                    </a:schemeClr>
-                  </a:gs>
-                  <a:gs pos="80000">
-                    <a:schemeClr val="tx1">
-                      <a:lumMod val="65000"/>
-                      <a:lumOff val="35000"/>
-                    </a:schemeClr>
-                  </a:gs>
-                </a:gsLst>
-                <a:lin ang="16200000" scaled="0"/>
-              </a:gradFill>
-              <a:latin typeface="Segoe UI Light" pitchFamily="34" charset="0"/>
+              <a:solidFill>
+                <a:srgbClr val="000000"/>
+              </a:solidFill>
+              <a:latin typeface="Segoe UI Light" pitchFamily="32" charset="0"/>
             </a:endParaRPr>
           </a:p>
           <a:p>
-            <a:pPr marL="0" indent="0">
-              <a:buNone/>
+            <a:pPr>
+              <a:tabLst>
+                <a:tab pos="723900" algn="l"/>
+                <a:tab pos="1447800" algn="l"/>
+                <a:tab pos="2171700" algn="l"/>
+                <a:tab pos="2895600" algn="l"/>
+                <a:tab pos="3619500" algn="l"/>
+                <a:tab pos="4343400" algn="l"/>
+                <a:tab pos="5067300" algn="l"/>
+                <a:tab pos="5791200" algn="l"/>
+                <a:tab pos="6515100" algn="l"/>
+                <a:tab pos="7239000" algn="l"/>
+                <a:tab pos="7962900" algn="l"/>
+                <a:tab pos="8686800" algn="l"/>
+                <a:tab pos="9410700" algn="l"/>
+                <a:tab pos="10134600" algn="l"/>
+                <a:tab pos="10858500" algn="l"/>
+              </a:tabLst>
             </a:pPr>
             <a:r>
-              <a:rPr lang="pt-BR" sz="2800" b="1" dirty="0">
+              <a:rPr lang="pt-BR" sz="2800" b="1" dirty="0" smtClean="0">
                 <a:solidFill>
-                  <a:schemeClr val="accent1">
-                    <a:lumMod val="75000"/>
-                  </a:schemeClr>
+                  <a:srgbClr val="376092"/>
                 </a:solidFill>
-                <a:latin typeface="Segoe UI Light" pitchFamily="34" charset="0"/>
+                <a:latin typeface="Segoe UI Light" pitchFamily="32" charset="0"/>
               </a:rPr>
               <a:t>Função Objetivo: </a:t>
             </a:r>
             <a:r>
               <a:rPr lang="pt-BR" sz="2800" dirty="0" smtClean="0">
-                <a:gradFill>
-                  <a:gsLst>
-                    <a:gs pos="0">
-                      <a:schemeClr val="tx1">
-                        <a:lumMod val="75000"/>
-                        <a:lumOff val="25000"/>
-                      </a:schemeClr>
-                    </a:gs>
-                    <a:gs pos="80000">
-                      <a:schemeClr val="tx1">
-                        <a:lumMod val="65000"/>
-                        <a:lumOff val="35000"/>
-                      </a:schemeClr>
-                    </a:gs>
-                  </a:gsLst>
-                  <a:lin ang="16200000" scaled="0"/>
-                </a:gradFill>
-                <a:latin typeface="Segoe UI Light" pitchFamily="34" charset="0"/>
+                <a:solidFill>
+                  <a:srgbClr val="000000"/>
+                </a:solidFill>
+                <a:latin typeface="Segoe UI Light" pitchFamily="32" charset="0"/>
               </a:rPr>
-              <a:t>equação que traduz o objetivo a ser traçado em seu problema de otimização (Minimização ou </a:t>
+              <a:t>equação que traduz o objetivo a ser traçado em seu problema de otimização (minimização ou maximização) (Caixeta Filho, 2001)</a:t>
             </a:r>
-            <a:r>
-              <a:rPr lang="pt-BR" sz="2800" dirty="0" err="1" smtClean="0">
-                <a:gradFill>
-                  <a:gsLst>
-                    <a:gs pos="0">
-                      <a:schemeClr val="tx1">
-                        <a:lumMod val="75000"/>
-                        <a:lumOff val="25000"/>
-                      </a:schemeClr>
-                    </a:gs>
-                    <a:gs pos="80000">
-                      <a:schemeClr val="tx1">
-                        <a:lumMod val="65000"/>
-                        <a:lumOff val="35000"/>
-                      </a:schemeClr>
-                    </a:gs>
-                  </a:gsLst>
-                  <a:lin ang="16200000" scaled="0"/>
-                </a:gradFill>
-                <a:latin typeface="Segoe UI Light" pitchFamily="34" charset="0"/>
-              </a:rPr>
-              <a:t>máximixação</a:t>
-            </a:r>
-            <a:r>
-              <a:rPr lang="pt-BR" sz="2800" dirty="0" smtClean="0">
-                <a:gradFill>
-                  <a:gsLst>
-                    <a:gs pos="0">
-                      <a:schemeClr val="tx1">
-                        <a:lumMod val="75000"/>
-                        <a:lumOff val="25000"/>
-                      </a:schemeClr>
-                    </a:gs>
-                    <a:gs pos="80000">
-                      <a:schemeClr val="tx1">
-                        <a:lumMod val="65000"/>
-                        <a:lumOff val="35000"/>
-                      </a:schemeClr>
-                    </a:gs>
-                  </a:gsLst>
-                  <a:lin ang="16200000" scaled="0"/>
-                </a:gradFill>
-                <a:latin typeface="Segoe UI Light" pitchFamily="34" charset="0"/>
-              </a:rPr>
-              <a:t>) (Caixeta Filho, 2001)</a:t>
-            </a:r>
-          </a:p>
-          <a:p>
-            <a:pPr marL="0" indent="0">
-              <a:buNone/>
+          </a:p>
+          <a:p>
+            <a:pPr>
+              <a:tabLst>
+                <a:tab pos="723900" algn="l"/>
+                <a:tab pos="1447800" algn="l"/>
+                <a:tab pos="2171700" algn="l"/>
+                <a:tab pos="2895600" algn="l"/>
+                <a:tab pos="3619500" algn="l"/>
+                <a:tab pos="4343400" algn="l"/>
+                <a:tab pos="5067300" algn="l"/>
+                <a:tab pos="5791200" algn="l"/>
+                <a:tab pos="6515100" algn="l"/>
+                <a:tab pos="7239000" algn="l"/>
+                <a:tab pos="7962900" algn="l"/>
+                <a:tab pos="8686800" algn="l"/>
+                <a:tab pos="9410700" algn="l"/>
+                <a:tab pos="10134600" algn="l"/>
+                <a:tab pos="10858500" algn="l"/>
+              </a:tabLst>
             </a:pPr>
             <a:endParaRPr lang="pt-BR" sz="2800" dirty="0" smtClean="0">
-              <a:gradFill>
-                <a:gsLst>
-                  <a:gs pos="0">
-                    <a:schemeClr val="tx1">
-                      <a:lumMod val="75000"/>
-                      <a:lumOff val="25000"/>
-                    </a:schemeClr>
-                  </a:gs>
-                  <a:gs pos="80000">
-                    <a:schemeClr val="tx1">
-                      <a:lumMod val="65000"/>
-                      <a:lumOff val="35000"/>
-                    </a:schemeClr>
-                  </a:gs>
-                </a:gsLst>
-                <a:lin ang="16200000" scaled="0"/>
-              </a:gradFill>
-              <a:latin typeface="Segoe UI Light" pitchFamily="34" charset="0"/>
+              <a:solidFill>
+                <a:srgbClr val="000000"/>
+              </a:solidFill>
+              <a:latin typeface="Segoe UI Light" pitchFamily="32" charset="0"/>
             </a:endParaRPr>
           </a:p>
           <a:p>
-            <a:pPr marL="0" indent="0">
-              <a:buNone/>
+            <a:pPr>
+              <a:tabLst>
+                <a:tab pos="723900" algn="l"/>
+                <a:tab pos="1447800" algn="l"/>
+                <a:tab pos="2171700" algn="l"/>
+                <a:tab pos="2895600" algn="l"/>
+                <a:tab pos="3619500" algn="l"/>
+                <a:tab pos="4343400" algn="l"/>
+                <a:tab pos="5067300" algn="l"/>
+                <a:tab pos="5791200" algn="l"/>
+                <a:tab pos="6515100" algn="l"/>
+                <a:tab pos="7239000" algn="l"/>
+                <a:tab pos="7962900" algn="l"/>
+                <a:tab pos="8686800" algn="l"/>
+                <a:tab pos="9410700" algn="l"/>
+                <a:tab pos="10134600" algn="l"/>
+                <a:tab pos="10858500" algn="l"/>
+              </a:tabLst>
             </a:pPr>
             <a:r>
-              <a:rPr lang="pt-BR" sz="2800" b="1" dirty="0">
+              <a:rPr lang="pt-BR" sz="2800" b="1" dirty="0" smtClean="0">
                 <a:solidFill>
-                  <a:schemeClr val="accent1">
-                    <a:lumMod val="75000"/>
-                  </a:schemeClr>
+                  <a:srgbClr val="376092"/>
                 </a:solidFill>
-                <a:latin typeface="Segoe UI Light" pitchFamily="34" charset="0"/>
+                <a:latin typeface="Segoe UI Light" pitchFamily="32" charset="0"/>
               </a:rPr>
               <a:t>Restrições: </a:t>
             </a:r>
             <a:r>
               <a:rPr lang="pt-BR" sz="2800" dirty="0" err="1" smtClean="0">
-                <a:gradFill>
-                  <a:gsLst>
-                    <a:gs pos="0">
-                      <a:schemeClr val="tx1">
-                        <a:lumMod val="75000"/>
-                        <a:lumOff val="25000"/>
-                      </a:schemeClr>
-                    </a:gs>
-                    <a:gs pos="80000">
-                      <a:schemeClr val="tx1">
-                        <a:lumMod val="65000"/>
-                        <a:lumOff val="35000"/>
-                      </a:schemeClr>
-                    </a:gs>
-                  </a:gsLst>
-                  <a:lin ang="16200000" scaled="0"/>
-                </a:gradFill>
-                <a:latin typeface="Segoe UI Light" pitchFamily="34" charset="0"/>
+                <a:solidFill>
+                  <a:srgbClr val="000000"/>
+                </a:solidFill>
+                <a:latin typeface="Segoe UI Light" pitchFamily="32" charset="0"/>
               </a:rPr>
               <a:t>Inequações</a:t>
             </a:r>
             <a:r>
               <a:rPr lang="pt-BR" sz="2800" dirty="0" smtClean="0">
-                <a:gradFill>
-                  <a:gsLst>
-                    <a:gs pos="0">
-                      <a:schemeClr val="tx1">
-                        <a:lumMod val="75000"/>
-                        <a:lumOff val="25000"/>
-                      </a:schemeClr>
-                    </a:gs>
-                    <a:gs pos="80000">
-                      <a:schemeClr val="tx1">
-                        <a:lumMod val="65000"/>
-                        <a:lumOff val="35000"/>
-                      </a:schemeClr>
-                    </a:gs>
-                  </a:gsLst>
-                  <a:lin ang="16200000" scaled="0"/>
-                </a:gradFill>
-                <a:latin typeface="Segoe UI Light" pitchFamily="34" charset="0"/>
+                <a:solidFill>
+                  <a:srgbClr val="000000"/>
+                </a:solidFill>
+                <a:latin typeface="Segoe UI Light" pitchFamily="32" charset="0"/>
               </a:rPr>
               <a:t> (ou equações) que representam as limitações das variáveis (Caixeta Filho, 2001)</a:t>
             </a:r>
+            <a:endParaRPr lang="pt-BR" sz="2800" dirty="0">
+              <a:solidFill>
+                <a:srgbClr val="000000"/>
+              </a:solidFill>
+              <a:latin typeface="Segoe UI Light" pitchFamily="32" charset="0"/>
+            </a:endParaRPr>
           </a:p>
         </p:txBody>
       </p:sp>
@@ -38775,329 +39609,342 @@
           <a:bodyPr/>
           <a:lstStyle/>
           <a:p>
-            <a:pPr marR="0" lvl="0" fontAlgn="auto">
-              <a:lnSpc>
-                <a:spcPct val="100000"/>
-              </a:lnSpc>
+            <a:pPr>
               <a:spcBef>
-                <a:spcPct val="20000"/>
+                <a:spcPts val="363"/>
               </a:spcBef>
-              <a:spcAft>
-                <a:spcPts val="0"/>
-              </a:spcAft>
-              <a:buClrTx/>
-              <a:buSzTx/>
-              <a:tabLst/>
-              <a:defRPr/>
+              <a:tabLst>
+                <a:tab pos="723900" algn="l"/>
+                <a:tab pos="1447800" algn="l"/>
+                <a:tab pos="2171700" algn="l"/>
+                <a:tab pos="2895600" algn="l"/>
+                <a:tab pos="3619500" algn="l"/>
+                <a:tab pos="4343400" algn="l"/>
+                <a:tab pos="5067300" algn="l"/>
+                <a:tab pos="5791200" algn="l"/>
+                <a:tab pos="6515100" algn="l"/>
+                <a:tab pos="7239000" algn="l"/>
+                <a:tab pos="7962900" algn="l"/>
+                <a:tab pos="8686800" algn="l"/>
+                <a:tab pos="9410700" algn="l"/>
+                <a:tab pos="10134600" algn="l"/>
+                <a:tab pos="10858500" algn="l"/>
+              </a:tabLst>
             </a:pPr>
             <a:r>
               <a:rPr lang="pt-BR" sz="2800" b="1" dirty="0" smtClean="0">
                 <a:solidFill>
-                  <a:schemeClr val="accent1">
-                    <a:lumMod val="75000"/>
-                  </a:schemeClr>
+                  <a:srgbClr val="376092"/>
                 </a:solidFill>
-                <a:latin typeface="Segoe UI Light" pitchFamily="34" charset="0"/>
+                <a:latin typeface="Segoe UI Light" pitchFamily="32" charset="0"/>
               </a:rPr>
-              <a:t>Uma doceria possui dois produtos: Chocolate </a:t>
+              <a:t>Uma doceria possui dois produtos: os chocolates </a:t>
             </a:r>
             <a:r>
               <a:rPr lang="pt-BR" sz="2800" b="1" dirty="0" err="1" smtClean="0">
                 <a:solidFill>
-                  <a:schemeClr val="accent1">
-                    <a:lumMod val="75000"/>
-                  </a:schemeClr>
+                  <a:srgbClr val="376092"/>
                 </a:solidFill>
-                <a:latin typeface="Segoe UI Light" pitchFamily="34" charset="0"/>
+                <a:latin typeface="Segoe UI Light" pitchFamily="32" charset="0"/>
               </a:rPr>
               <a:t>Pyramide</a:t>
             </a:r>
             <a:r>
               <a:rPr lang="pt-BR" sz="2800" b="1" dirty="0" smtClean="0">
                 <a:solidFill>
-                  <a:schemeClr val="accent1">
-                    <a:lumMod val="75000"/>
-                  </a:schemeClr>
+                  <a:srgbClr val="376092"/>
                 </a:solidFill>
-                <a:latin typeface="Segoe UI Light" pitchFamily="34" charset="0"/>
+                <a:latin typeface="Segoe UI Light" pitchFamily="32" charset="0"/>
               </a:rPr>
               <a:t> e </a:t>
             </a:r>
             <a:r>
               <a:rPr lang="pt-BR" sz="2800" b="1" dirty="0" err="1" smtClean="0">
                 <a:solidFill>
-                  <a:schemeClr val="accent1">
-                    <a:lumMod val="75000"/>
-                  </a:schemeClr>
+                  <a:srgbClr val="376092"/>
                 </a:solidFill>
-                <a:latin typeface="Segoe UI Light" pitchFamily="34" charset="0"/>
+                <a:latin typeface="Segoe UI Light" pitchFamily="32" charset="0"/>
               </a:rPr>
               <a:t>Nuit</a:t>
             </a:r>
             <a:r>
               <a:rPr lang="pt-BR" sz="2800" b="1" dirty="0" smtClean="0">
                 <a:solidFill>
-                  <a:schemeClr val="accent1">
-                    <a:lumMod val="75000"/>
-                  </a:schemeClr>
+                  <a:srgbClr val="376092"/>
                 </a:solidFill>
-                <a:latin typeface="Segoe UI Light" pitchFamily="34" charset="0"/>
+                <a:latin typeface="Segoe UI Light" pitchFamily="32" charset="0"/>
               </a:rPr>
               <a:t>. </a:t>
             </a:r>
           </a:p>
           <a:p>
-            <a:pPr marR="0" lvl="0" fontAlgn="auto">
-              <a:lnSpc>
-                <a:spcPct val="100000"/>
-              </a:lnSpc>
+            <a:pPr>
               <a:spcBef>
-                <a:spcPct val="20000"/>
+                <a:spcPts val="363"/>
               </a:spcBef>
-              <a:spcAft>
-                <a:spcPts val="0"/>
-              </a:spcAft>
-              <a:buClrTx/>
-              <a:buSzTx/>
-              <a:tabLst/>
-              <a:defRPr/>
+              <a:tabLst>
+                <a:tab pos="723900" algn="l"/>
+                <a:tab pos="1447800" algn="l"/>
+                <a:tab pos="2171700" algn="l"/>
+                <a:tab pos="2895600" algn="l"/>
+                <a:tab pos="3619500" algn="l"/>
+                <a:tab pos="4343400" algn="l"/>
+                <a:tab pos="5067300" algn="l"/>
+                <a:tab pos="5791200" algn="l"/>
+                <a:tab pos="6515100" algn="l"/>
+                <a:tab pos="7239000" algn="l"/>
+                <a:tab pos="7962900" algn="l"/>
+                <a:tab pos="8686800" algn="l"/>
+                <a:tab pos="9410700" algn="l"/>
+                <a:tab pos="10134600" algn="l"/>
+                <a:tab pos="10858500" algn="l"/>
+              </a:tabLst>
             </a:pPr>
             <a:endParaRPr lang="pt-BR" sz="2800" b="1" dirty="0" smtClean="0">
               <a:solidFill>
-                <a:schemeClr val="accent1">
-                  <a:lumMod val="75000"/>
-                </a:schemeClr>
+                <a:srgbClr val="376092"/>
               </a:solidFill>
-              <a:latin typeface="Segoe UI Light" pitchFamily="34" charset="0"/>
+              <a:latin typeface="Segoe UI Light" pitchFamily="32" charset="0"/>
             </a:endParaRPr>
           </a:p>
           <a:p>
-            <a:pPr marL="720725" lvl="1" indent="-180975">
+            <a:pPr marL="719138" lvl="1" indent="-179388">
               <a:lnSpc>
                 <a:spcPct val="150000"/>
               </a:lnSpc>
               <a:spcBef>
-                <a:spcPct val="20000"/>
+                <a:spcPts val="363"/>
               </a:spcBef>
-              <a:buFont typeface="Arial" pitchFamily="34" charset="0"/>
+              <a:buSzPct val="45000"/>
+              <a:buFont typeface="Arial" charset="0"/>
               <a:buChar char="•"/>
+              <a:tabLst>
+                <a:tab pos="723900" algn="l"/>
+                <a:tab pos="1447800" algn="l"/>
+                <a:tab pos="2171700" algn="l"/>
+                <a:tab pos="2895600" algn="l"/>
+                <a:tab pos="3619500" algn="l"/>
+                <a:tab pos="4343400" algn="l"/>
+                <a:tab pos="5067300" algn="l"/>
+                <a:tab pos="5791200" algn="l"/>
+                <a:tab pos="6515100" algn="l"/>
+                <a:tab pos="7239000" algn="l"/>
+                <a:tab pos="7962900" algn="l"/>
+                <a:tab pos="8686800" algn="l"/>
+                <a:tab pos="9410700" algn="l"/>
+                <a:tab pos="10134600" algn="l"/>
+                <a:tab pos="10858500" algn="l"/>
+              </a:tabLst>
             </a:pPr>
+            <a:r>
+              <a:rPr lang="pt-BR" sz="2400" b="1" dirty="0" err="1" smtClean="0">
+                <a:solidFill>
+                  <a:srgbClr val="808080"/>
+                </a:solidFill>
+                <a:latin typeface="Segoe UI Light" pitchFamily="32" charset="0"/>
+              </a:rPr>
+              <a:t>Pyramide</a:t>
+            </a:r>
             <a:r>
               <a:rPr lang="pt-BR" sz="2400" b="1" dirty="0" smtClean="0">
                 <a:solidFill>
-                  <a:schemeClr val="tx1">
-                    <a:lumMod val="50000"/>
-                    <a:lumOff val="50000"/>
-                  </a:schemeClr>
+                  <a:srgbClr val="808080"/>
                 </a:solidFill>
-                <a:latin typeface="Segoe UI Light" pitchFamily="34" charset="0"/>
+                <a:latin typeface="Segoe UI Light" pitchFamily="32" charset="0"/>
               </a:rPr>
-              <a:t>A demanda diária do chocolate </a:t>
+              <a:t> e </a:t>
             </a:r>
             <a:r>
               <a:rPr lang="pt-BR" sz="2400" b="1" dirty="0" err="1" smtClean="0">
                 <a:solidFill>
-                  <a:schemeClr val="tx1">
-                    <a:lumMod val="50000"/>
-                    <a:lumOff val="50000"/>
-                  </a:schemeClr>
+                  <a:srgbClr val="808080"/>
                 </a:solidFill>
-                <a:latin typeface="Segoe UI Light" pitchFamily="34" charset="0"/>
+                <a:latin typeface="Segoe UI Light" pitchFamily="32" charset="0"/>
               </a:rPr>
               <a:t>Nuit</a:t>
             </a:r>
             <a:r>
               <a:rPr lang="pt-BR" sz="2400" b="1" dirty="0" smtClean="0">
                 <a:solidFill>
-                  <a:schemeClr val="tx1">
-                    <a:lumMod val="50000"/>
-                    <a:lumOff val="50000"/>
-                  </a:schemeClr>
+                  <a:srgbClr val="808080"/>
                 </a:solidFill>
-                <a:latin typeface="Segoe UI Light" pitchFamily="34" charset="0"/>
+                <a:latin typeface="Segoe UI Light" pitchFamily="32" charset="0"/>
               </a:rPr>
-              <a:t> são de 200 caixas diárias e do chocolate </a:t>
+              <a:t> têm demandas diárias de 200 e 300 caixas diárias, respectivamente</a:t>
             </a:r>
+          </a:p>
+          <a:p>
+            <a:pPr marL="719138" lvl="1" indent="-179388">
+              <a:lnSpc>
+                <a:spcPct val="150000"/>
+              </a:lnSpc>
+              <a:spcBef>
+                <a:spcPts val="363"/>
+              </a:spcBef>
+              <a:buSzPct val="45000"/>
+              <a:buFont typeface="Arial" charset="0"/>
+              <a:buChar char="•"/>
+              <a:tabLst>
+                <a:tab pos="723900" algn="l"/>
+                <a:tab pos="1447800" algn="l"/>
+                <a:tab pos="2171700" algn="l"/>
+                <a:tab pos="2895600" algn="l"/>
+                <a:tab pos="3619500" algn="l"/>
+                <a:tab pos="4343400" algn="l"/>
+                <a:tab pos="5067300" algn="l"/>
+                <a:tab pos="5791200" algn="l"/>
+                <a:tab pos="6515100" algn="l"/>
+                <a:tab pos="7239000" algn="l"/>
+                <a:tab pos="7962900" algn="l"/>
+                <a:tab pos="8686800" algn="l"/>
+                <a:tab pos="9410700" algn="l"/>
+                <a:tab pos="10134600" algn="l"/>
+                <a:tab pos="10858500" algn="l"/>
+              </a:tabLst>
+            </a:pPr>
+            <a:r>
+              <a:rPr lang="pt-BR" sz="2400" b="1" dirty="0" smtClean="0">
+                <a:solidFill>
+                  <a:srgbClr val="808080"/>
+                </a:solidFill>
+                <a:latin typeface="Segoe UI Light" pitchFamily="32" charset="0"/>
+              </a:rPr>
+              <a:t>Em um dia, a produção máxima da doceria é de 400 caixas</a:t>
+            </a:r>
+          </a:p>
+          <a:p>
+            <a:pPr marL="719138" lvl="1" indent="-179388">
+              <a:lnSpc>
+                <a:spcPct val="150000"/>
+              </a:lnSpc>
+              <a:spcBef>
+                <a:spcPts val="363"/>
+              </a:spcBef>
+              <a:buSzPct val="45000"/>
+              <a:buFont typeface="Arial" charset="0"/>
+              <a:buChar char="•"/>
+              <a:tabLst>
+                <a:tab pos="723900" algn="l"/>
+                <a:tab pos="1447800" algn="l"/>
+                <a:tab pos="2171700" algn="l"/>
+                <a:tab pos="2895600" algn="l"/>
+                <a:tab pos="3619500" algn="l"/>
+                <a:tab pos="4343400" algn="l"/>
+                <a:tab pos="5067300" algn="l"/>
+                <a:tab pos="5791200" algn="l"/>
+                <a:tab pos="6515100" algn="l"/>
+                <a:tab pos="7239000" algn="l"/>
+                <a:tab pos="7962900" algn="l"/>
+                <a:tab pos="8686800" algn="l"/>
+                <a:tab pos="9410700" algn="l"/>
+                <a:tab pos="10134600" algn="l"/>
+                <a:tab pos="10858500" algn="l"/>
+              </a:tabLst>
+            </a:pPr>
             <a:r>
               <a:rPr lang="pt-BR" sz="2400" b="1" dirty="0" err="1" smtClean="0">
                 <a:solidFill>
-                  <a:schemeClr val="tx1">
-                    <a:lumMod val="50000"/>
-                    <a:lumOff val="50000"/>
-                  </a:schemeClr>
+                  <a:srgbClr val="808080"/>
                 </a:solidFill>
-                <a:latin typeface="Segoe UI Light" pitchFamily="34" charset="0"/>
+                <a:latin typeface="Segoe UI Light" pitchFamily="32" charset="0"/>
               </a:rPr>
               <a:t>Pyramide</a:t>
             </a:r>
             <a:r>
               <a:rPr lang="pt-BR" sz="2400" b="1" dirty="0" smtClean="0">
                 <a:solidFill>
-                  <a:schemeClr val="tx1">
-                    <a:lumMod val="50000"/>
-                    <a:lumOff val="50000"/>
-                  </a:schemeClr>
+                  <a:srgbClr val="808080"/>
                 </a:solidFill>
-                <a:latin typeface="Segoe UI Light" pitchFamily="34" charset="0"/>
+                <a:latin typeface="Segoe UI Light" pitchFamily="32" charset="0"/>
               </a:rPr>
-              <a:t> são 300 caixas diárias. </a:t>
-            </a:r>
-          </a:p>
-          <a:p>
-            <a:pPr marL="720725" lvl="1" indent="-180975">
-              <a:lnSpc>
-                <a:spcPct val="150000"/>
-              </a:lnSpc>
-              <a:spcBef>
-                <a:spcPct val="20000"/>
-              </a:spcBef>
-              <a:buFont typeface="Arial" pitchFamily="34" charset="0"/>
-              <a:buChar char="•"/>
-            </a:pPr>
-            <a:r>
-              <a:rPr lang="pt-BR" sz="2400" b="1" dirty="0" smtClean="0">
-                <a:solidFill>
-                  <a:schemeClr val="tx1">
-                    <a:lumMod val="50000"/>
-                    <a:lumOff val="50000"/>
-                  </a:schemeClr>
-                </a:solidFill>
-                <a:latin typeface="Segoe UI Light" pitchFamily="34" charset="0"/>
-              </a:rPr>
-              <a:t>A produção máximas de chocolate são de 400 caixas diárias</a:t>
-            </a:r>
-          </a:p>
-          <a:p>
-            <a:pPr marL="720725" lvl="1" indent="-180975">
-              <a:lnSpc>
-                <a:spcPct val="150000"/>
-              </a:lnSpc>
-              <a:spcBef>
-                <a:spcPct val="20000"/>
-              </a:spcBef>
-              <a:buFont typeface="Arial" pitchFamily="34" charset="0"/>
-              <a:buChar char="•"/>
-            </a:pPr>
-            <a:r>
-              <a:rPr lang="pt-BR" sz="2400" b="1" dirty="0" smtClean="0">
-                <a:solidFill>
-                  <a:schemeClr val="tx1">
-                    <a:lumMod val="50000"/>
-                    <a:lumOff val="50000"/>
-                  </a:schemeClr>
-                </a:solidFill>
-                <a:latin typeface="Segoe UI Light" pitchFamily="34" charset="0"/>
-              </a:rPr>
-              <a:t>O Lucro do Chocolate  </a:t>
+              <a:t> e </a:t>
             </a:r>
             <a:r>
               <a:rPr lang="pt-BR" sz="2400" b="1" dirty="0" err="1" smtClean="0">
                 <a:solidFill>
-                  <a:schemeClr val="tx1">
-                    <a:lumMod val="50000"/>
-                    <a:lumOff val="50000"/>
-                  </a:schemeClr>
+                  <a:srgbClr val="808080"/>
                 </a:solidFill>
-                <a:latin typeface="Segoe UI Light" pitchFamily="34" charset="0"/>
-              </a:rPr>
-              <a:t>Pyramide</a:t>
-            </a:r>
-            <a:r>
-              <a:rPr lang="pt-BR" sz="2400" b="1" dirty="0" smtClean="0">
-                <a:solidFill>
-                  <a:schemeClr val="tx1">
-                    <a:lumMod val="50000"/>
-                    <a:lumOff val="50000"/>
-                  </a:schemeClr>
-                </a:solidFill>
-                <a:latin typeface="Segoe UI Light" pitchFamily="34" charset="0"/>
-              </a:rPr>
-              <a:t> são R$ 6,00 por caixa e o </a:t>
-            </a:r>
-            <a:r>
-              <a:rPr lang="pt-BR" sz="2400" b="1" dirty="0" err="1" smtClean="0">
-                <a:solidFill>
-                  <a:schemeClr val="tx1">
-                    <a:lumMod val="50000"/>
-                    <a:lumOff val="50000"/>
-                  </a:schemeClr>
-                </a:solidFill>
-                <a:latin typeface="Segoe UI Light" pitchFamily="34" charset="0"/>
+                <a:latin typeface="Segoe UI Light" pitchFamily="32" charset="0"/>
               </a:rPr>
               <a:t>Nuit</a:t>
             </a:r>
             <a:r>
               <a:rPr lang="pt-BR" sz="2400" b="1" dirty="0" smtClean="0">
                 <a:solidFill>
-                  <a:schemeClr val="tx1">
-                    <a:lumMod val="50000"/>
-                    <a:lumOff val="50000"/>
-                  </a:schemeClr>
+                  <a:srgbClr val="808080"/>
                 </a:solidFill>
-                <a:latin typeface="Segoe UI Light" pitchFamily="34" charset="0"/>
+                <a:latin typeface="Segoe UI Light" pitchFamily="32" charset="0"/>
               </a:rPr>
-              <a:t> R$ 1,00</a:t>
+              <a:t> geram lucros de R$ 6,00 e R$ 1,00 a cada caixa vendida, respectivamente</a:t>
             </a:r>
           </a:p>
           <a:p>
-            <a:pPr marR="0" lvl="0" fontAlgn="auto">
-              <a:lnSpc>
-                <a:spcPct val="100000"/>
-              </a:lnSpc>
+            <a:pPr>
               <a:spcBef>
-                <a:spcPct val="20000"/>
+                <a:spcPts val="363"/>
               </a:spcBef>
-              <a:spcAft>
-                <a:spcPts val="0"/>
-              </a:spcAft>
-              <a:buClrTx/>
-              <a:buSzTx/>
-              <a:tabLst/>
-              <a:defRPr/>
+              <a:tabLst>
+                <a:tab pos="723900" algn="l"/>
+                <a:tab pos="1447800" algn="l"/>
+                <a:tab pos="2171700" algn="l"/>
+                <a:tab pos="2895600" algn="l"/>
+                <a:tab pos="3619500" algn="l"/>
+                <a:tab pos="4343400" algn="l"/>
+                <a:tab pos="5067300" algn="l"/>
+                <a:tab pos="5791200" algn="l"/>
+                <a:tab pos="6515100" algn="l"/>
+                <a:tab pos="7239000" algn="l"/>
+                <a:tab pos="7962900" algn="l"/>
+                <a:tab pos="8686800" algn="l"/>
+                <a:tab pos="9410700" algn="l"/>
+                <a:tab pos="10134600" algn="l"/>
+                <a:tab pos="10858500" algn="l"/>
+              </a:tabLst>
             </a:pPr>
             <a:endParaRPr lang="pt-BR" sz="2800" b="1" dirty="0" smtClean="0">
               <a:solidFill>
-                <a:schemeClr val="accent1">
-                  <a:lumMod val="75000"/>
-                </a:schemeClr>
+                <a:srgbClr val="376092"/>
               </a:solidFill>
-              <a:latin typeface="Segoe UI Light" pitchFamily="34" charset="0"/>
+              <a:latin typeface="Segoe UI Light" pitchFamily="32" charset="0"/>
             </a:endParaRPr>
           </a:p>
           <a:p>
-            <a:pPr marR="0" lvl="0" fontAlgn="auto">
-              <a:lnSpc>
-                <a:spcPct val="100000"/>
-              </a:lnSpc>
+            <a:pPr>
               <a:spcBef>
-                <a:spcPct val="20000"/>
+                <a:spcPts val="363"/>
               </a:spcBef>
-              <a:spcAft>
-                <a:spcPts val="0"/>
-              </a:spcAft>
-              <a:buClrTx/>
-              <a:buSzTx/>
-              <a:tabLst/>
-              <a:defRPr/>
+              <a:tabLst>
+                <a:tab pos="723900" algn="l"/>
+                <a:tab pos="1447800" algn="l"/>
+                <a:tab pos="2171700" algn="l"/>
+                <a:tab pos="2895600" algn="l"/>
+                <a:tab pos="3619500" algn="l"/>
+                <a:tab pos="4343400" algn="l"/>
+                <a:tab pos="5067300" algn="l"/>
+                <a:tab pos="5791200" algn="l"/>
+                <a:tab pos="6515100" algn="l"/>
+                <a:tab pos="7239000" algn="l"/>
+                <a:tab pos="7962900" algn="l"/>
+                <a:tab pos="8686800" algn="l"/>
+                <a:tab pos="9410700" algn="l"/>
+                <a:tab pos="10134600" algn="l"/>
+                <a:tab pos="10858500" algn="l"/>
+              </a:tabLst>
             </a:pPr>
             <a:r>
               <a:rPr lang="pt-BR" sz="2800" b="1" dirty="0" smtClean="0">
                 <a:solidFill>
-                  <a:schemeClr val="accent1">
-                    <a:lumMod val="75000"/>
-                  </a:schemeClr>
+                  <a:srgbClr val="376092"/>
                 </a:solidFill>
-                <a:latin typeface="Segoe UI Light" pitchFamily="34" charset="0"/>
+                <a:latin typeface="Segoe UI Light" pitchFamily="32" charset="0"/>
               </a:rPr>
               <a:t>Como posso otimizar a minha produção?</a:t>
             </a:r>
             <a:endParaRPr lang="pt-BR" sz="2800" b="1" dirty="0">
               <a:solidFill>
-                <a:schemeClr val="accent1">
-                  <a:lumMod val="75000"/>
-                </a:schemeClr>
+                <a:srgbClr val="376092"/>
               </a:solidFill>
-              <a:latin typeface="Segoe UI Light" pitchFamily="34" charset="0"/>
+              <a:latin typeface="Segoe UI Light" pitchFamily="32" charset="0"/>
             </a:endParaRPr>
           </a:p>
         </p:txBody>
@@ -42921,7 +43768,7 @@
                 <a:ea typeface="Segoe UI" pitchFamily="34" charset="0"/>
                 <a:cs typeface="Segoe UI" pitchFamily="34" charset="0"/>
               </a:rPr>
-              <a:t>Algorítimo</a:t>
+              <a:t>Algoritmo</a:t>
             </a:r>
             <a:r>
               <a:rPr lang="en-US" sz="2000" spc="-70" dirty="0" smtClean="0">
@@ -42931,7 +43778,17 @@
                 <a:ea typeface="Segoe UI" pitchFamily="34" charset="0"/>
                 <a:cs typeface="Segoe UI" pitchFamily="34" charset="0"/>
               </a:rPr>
-              <a:t> Simplex</a:t>
+              <a:t> </a:t>
+            </a:r>
+            <a:r>
+              <a:rPr lang="en-US" sz="2000" spc="-70" dirty="0" smtClean="0">
+                <a:solidFill>
+                  <a:schemeClr val="bg1"/>
+                </a:solidFill>
+                <a:ea typeface="Segoe UI" pitchFamily="34" charset="0"/>
+                <a:cs typeface="Segoe UI" pitchFamily="34" charset="0"/>
+              </a:rPr>
+              <a:t>Simplex</a:t>
             </a:r>
             <a:endParaRPr lang="en-US" sz="2000" spc="-70" dirty="0">
               <a:solidFill>
